--- a/презентация.pptx
+++ b/презентация.pptx
@@ -20,7 +20,7 @@
     <p:sldId id="268" r:id="rId15"/>
   </p:sldIdLst>
   <p:sldSz cx="9144000" cy="5143500"/>
-  <p:notesSz cx="6858000" cy="9144000"/>
+  <p:notesSz cx="7559675" cy="10691813"/>
 </p:presentation>
 </file>
 
@@ -55,7 +55,7 @@
         <p:txBody>
           <a:bodyPr/>
           <a:p>
-            <a:fld id="{F2661F61-EEA6-4F12-80FA-8F32AEF7E616}" type="slidenum">
+            <a:fld id="{8310DF7C-B9E0-4CE9-806F-3A06AAF2F21E}" type="slidenum">
               <a:t>&lt;#&gt;</a:t>
             </a:fld>
           </a:p>
@@ -85,7 +85,7 @@
       </p:grpSpPr>
       <p:sp>
         <p:nvSpPr>
-          <p:cNvPr id="24" name="PlaceHolder 1"/>
+          <p:cNvPr id="26" name="PlaceHolder 1"/>
           <p:cNvSpPr>
             <a:spLocks noGrp="1"/>
           </p:cNvSpPr>
@@ -95,8 +95,8 @@
         </p:nvSpPr>
         <p:spPr>
           <a:xfrm>
-            <a:off x="311760" y="444960"/>
-            <a:ext cx="8520120" cy="572400"/>
+            <a:off x="311760" y="105840"/>
+            <a:ext cx="8519760" cy="1250280"/>
           </a:xfrm>
           <a:prstGeom prst="rect">
             <a:avLst/>
@@ -111,21 +111,21 @@
             <a:noAutofit/>
           </a:bodyPr>
           <a:p>
-            <a:pPr indent="0">
-              <a:buNone/>
-            </a:pPr>
-            <a:endParaRPr b="0" lang="ru-RU" sz="1400" spc="-1" strike="noStrike">
-              <a:solidFill>
-                <a:srgbClr val="000000"/>
-              </a:solidFill>
-              <a:latin typeface="Arial"/>
-            </a:endParaRPr>
-          </a:p>
-        </p:txBody>
-      </p:sp>
-      <p:sp>
-        <p:nvSpPr>
-          <p:cNvPr id="25" name="PlaceHolder 2"/>
+            <a:pPr indent="0" algn="ctr">
+              <a:buNone/>
+            </a:pPr>
+            <a:endParaRPr b="0" lang="ru-RU" sz="4400" spc="-1" strike="noStrike">
+              <a:solidFill>
+                <a:srgbClr val="000000"/>
+              </a:solidFill>
+              <a:latin typeface="Arial"/>
+            </a:endParaRPr>
+          </a:p>
+        </p:txBody>
+      </p:sp>
+      <p:sp>
+        <p:nvSpPr>
+          <p:cNvPr id="27" name="PlaceHolder 2"/>
           <p:cNvSpPr>
             <a:spLocks noGrp="1"/>
           </p:cNvSpPr>
@@ -135,8 +135,8 @@
         </p:nvSpPr>
         <p:spPr>
           <a:xfrm>
-            <a:off x="311760" y="1152360"/>
-            <a:ext cx="3999600" cy="1629360"/>
+            <a:off x="457200" y="1203480"/>
+            <a:ext cx="8229240" cy="1422720"/>
           </a:xfrm>
           <a:prstGeom prst="rect">
             <a:avLst/>
@@ -157,18 +157,18 @@
               </a:spcBef>
               <a:buNone/>
             </a:pPr>
-            <a:endParaRPr b="0" lang="ru-RU" sz="1400" spc="-1" strike="noStrike">
-              <a:solidFill>
-                <a:srgbClr val="000000"/>
-              </a:solidFill>
-              <a:latin typeface="Arial"/>
-            </a:endParaRPr>
-          </a:p>
-        </p:txBody>
-      </p:sp>
-      <p:sp>
-        <p:nvSpPr>
-          <p:cNvPr id="26" name="PlaceHolder 3"/>
+            <a:endParaRPr b="0" lang="ru-RU" sz="3200" spc="-1" strike="noStrike">
+              <a:solidFill>
+                <a:srgbClr val="000000"/>
+              </a:solidFill>
+              <a:latin typeface="Arial"/>
+            </a:endParaRPr>
+          </a:p>
+        </p:txBody>
+      </p:sp>
+      <p:sp>
+        <p:nvSpPr>
+          <p:cNvPr id="28" name="PlaceHolder 3"/>
           <p:cNvSpPr>
             <a:spLocks noGrp="1"/>
           </p:cNvSpPr>
@@ -178,8 +178,8 @@
         </p:nvSpPr>
         <p:spPr>
           <a:xfrm>
-            <a:off x="311760" y="2936880"/>
-            <a:ext cx="3999600" cy="1629360"/>
+            <a:off x="457200" y="2761920"/>
+            <a:ext cx="8229240" cy="1422720"/>
           </a:xfrm>
           <a:prstGeom prst="rect">
             <a:avLst/>
@@ -200,7 +200,7 @@
               </a:spcBef>
               <a:buNone/>
             </a:pPr>
-            <a:endParaRPr b="0" lang="ru-RU" sz="1400" spc="-1" strike="noStrike">
+            <a:endParaRPr b="0" lang="ru-RU" sz="3200" spc="-1" strike="noStrike">
               <a:solidFill>
                 <a:srgbClr val="000000"/>
               </a:solidFill>
@@ -223,7 +223,7 @@
         <p:txBody>
           <a:bodyPr/>
           <a:p>
-            <a:fld id="{078A7D4E-C8FF-4534-99E4-83E0FAB2FE83}" type="slidenum">
+            <a:fld id="{0094E846-EBAF-4441-A1A0-6EC3285BA493}" type="slidenum">
               <a:t>&lt;#&gt;</a:t>
             </a:fld>
           </a:p>
@@ -253,7 +253,7 @@
       </p:grpSpPr>
       <p:sp>
         <p:nvSpPr>
-          <p:cNvPr id="27" name="PlaceHolder 1"/>
+          <p:cNvPr id="29" name="PlaceHolder 1"/>
           <p:cNvSpPr>
             <a:spLocks noGrp="1"/>
           </p:cNvSpPr>
@@ -263,8 +263,8 @@
         </p:nvSpPr>
         <p:spPr>
           <a:xfrm>
-            <a:off x="311760" y="444960"/>
-            <a:ext cx="8520120" cy="572400"/>
+            <a:off x="311760" y="105840"/>
+            <a:ext cx="8519760" cy="1250280"/>
           </a:xfrm>
           <a:prstGeom prst="rect">
             <a:avLst/>
@@ -279,21 +279,21 @@
             <a:noAutofit/>
           </a:bodyPr>
           <a:p>
-            <a:pPr indent="0">
-              <a:buNone/>
-            </a:pPr>
-            <a:endParaRPr b="0" lang="ru-RU" sz="1400" spc="-1" strike="noStrike">
-              <a:solidFill>
-                <a:srgbClr val="000000"/>
-              </a:solidFill>
-              <a:latin typeface="Arial"/>
-            </a:endParaRPr>
-          </a:p>
-        </p:txBody>
-      </p:sp>
-      <p:sp>
-        <p:nvSpPr>
-          <p:cNvPr id="28" name="PlaceHolder 2"/>
+            <a:pPr indent="0" algn="ctr">
+              <a:buNone/>
+            </a:pPr>
+            <a:endParaRPr b="0" lang="ru-RU" sz="4400" spc="-1" strike="noStrike">
+              <a:solidFill>
+                <a:srgbClr val="000000"/>
+              </a:solidFill>
+              <a:latin typeface="Arial"/>
+            </a:endParaRPr>
+          </a:p>
+        </p:txBody>
+      </p:sp>
+      <p:sp>
+        <p:nvSpPr>
+          <p:cNvPr id="30" name="PlaceHolder 2"/>
           <p:cNvSpPr>
             <a:spLocks noGrp="1"/>
           </p:cNvSpPr>
@@ -303,8 +303,8 @@
         </p:nvSpPr>
         <p:spPr>
           <a:xfrm>
-            <a:off x="311760" y="1152360"/>
-            <a:ext cx="1951560" cy="1629360"/>
+            <a:off x="457200" y="1203480"/>
+            <a:ext cx="4015800" cy="1422720"/>
           </a:xfrm>
           <a:prstGeom prst="rect">
             <a:avLst/>
@@ -325,18 +325,18 @@
               </a:spcBef>
               <a:buNone/>
             </a:pPr>
-            <a:endParaRPr b="0" lang="ru-RU" sz="1400" spc="-1" strike="noStrike">
-              <a:solidFill>
-                <a:srgbClr val="000000"/>
-              </a:solidFill>
-              <a:latin typeface="Arial"/>
-            </a:endParaRPr>
-          </a:p>
-        </p:txBody>
-      </p:sp>
-      <p:sp>
-        <p:nvSpPr>
-          <p:cNvPr id="29" name="PlaceHolder 3"/>
+            <a:endParaRPr b="0" lang="ru-RU" sz="3200" spc="-1" strike="noStrike">
+              <a:solidFill>
+                <a:srgbClr val="000000"/>
+              </a:solidFill>
+              <a:latin typeface="Arial"/>
+            </a:endParaRPr>
+          </a:p>
+        </p:txBody>
+      </p:sp>
+      <p:sp>
+        <p:nvSpPr>
+          <p:cNvPr id="31" name="PlaceHolder 3"/>
           <p:cNvSpPr>
             <a:spLocks noGrp="1"/>
           </p:cNvSpPr>
@@ -346,8 +346,8 @@
         </p:nvSpPr>
         <p:spPr>
           <a:xfrm>
-            <a:off x="2361240" y="1152360"/>
-            <a:ext cx="1951560" cy="1629360"/>
+            <a:off x="4674240" y="1203480"/>
+            <a:ext cx="4015800" cy="1422720"/>
           </a:xfrm>
           <a:prstGeom prst="rect">
             <a:avLst/>
@@ -368,18 +368,18 @@
               </a:spcBef>
               <a:buNone/>
             </a:pPr>
-            <a:endParaRPr b="0" lang="ru-RU" sz="1400" spc="-1" strike="noStrike">
-              <a:solidFill>
-                <a:srgbClr val="000000"/>
-              </a:solidFill>
-              <a:latin typeface="Arial"/>
-            </a:endParaRPr>
-          </a:p>
-        </p:txBody>
-      </p:sp>
-      <p:sp>
-        <p:nvSpPr>
-          <p:cNvPr id="30" name="PlaceHolder 4"/>
+            <a:endParaRPr b="0" lang="ru-RU" sz="3200" spc="-1" strike="noStrike">
+              <a:solidFill>
+                <a:srgbClr val="000000"/>
+              </a:solidFill>
+              <a:latin typeface="Arial"/>
+            </a:endParaRPr>
+          </a:p>
+        </p:txBody>
+      </p:sp>
+      <p:sp>
+        <p:nvSpPr>
+          <p:cNvPr id="32" name="PlaceHolder 4"/>
           <p:cNvSpPr>
             <a:spLocks noGrp="1"/>
           </p:cNvSpPr>
@@ -389,8 +389,8 @@
         </p:nvSpPr>
         <p:spPr>
           <a:xfrm>
-            <a:off x="311760" y="2936880"/>
-            <a:ext cx="1951560" cy="1629360"/>
+            <a:off x="457200" y="2761920"/>
+            <a:ext cx="4015800" cy="1422720"/>
           </a:xfrm>
           <a:prstGeom prst="rect">
             <a:avLst/>
@@ -411,18 +411,18 @@
               </a:spcBef>
               <a:buNone/>
             </a:pPr>
-            <a:endParaRPr b="0" lang="ru-RU" sz="1400" spc="-1" strike="noStrike">
-              <a:solidFill>
-                <a:srgbClr val="000000"/>
-              </a:solidFill>
-              <a:latin typeface="Arial"/>
-            </a:endParaRPr>
-          </a:p>
-        </p:txBody>
-      </p:sp>
-      <p:sp>
-        <p:nvSpPr>
-          <p:cNvPr id="31" name="PlaceHolder 5"/>
+            <a:endParaRPr b="0" lang="ru-RU" sz="3200" spc="-1" strike="noStrike">
+              <a:solidFill>
+                <a:srgbClr val="000000"/>
+              </a:solidFill>
+              <a:latin typeface="Arial"/>
+            </a:endParaRPr>
+          </a:p>
+        </p:txBody>
+      </p:sp>
+      <p:sp>
+        <p:nvSpPr>
+          <p:cNvPr id="33" name="PlaceHolder 5"/>
           <p:cNvSpPr>
             <a:spLocks noGrp="1"/>
           </p:cNvSpPr>
@@ -432,8 +432,8 @@
         </p:nvSpPr>
         <p:spPr>
           <a:xfrm>
-            <a:off x="2361240" y="2936880"/>
-            <a:ext cx="1951560" cy="1629360"/>
+            <a:off x="4674240" y="2761920"/>
+            <a:ext cx="4015800" cy="1422720"/>
           </a:xfrm>
           <a:prstGeom prst="rect">
             <a:avLst/>
@@ -454,7 +454,7 @@
               </a:spcBef>
               <a:buNone/>
             </a:pPr>
-            <a:endParaRPr b="0" lang="ru-RU" sz="1400" spc="-1" strike="noStrike">
+            <a:endParaRPr b="0" lang="ru-RU" sz="3200" spc="-1" strike="noStrike">
               <a:solidFill>
                 <a:srgbClr val="000000"/>
               </a:solidFill>
@@ -477,7 +477,7 @@
         <p:txBody>
           <a:bodyPr/>
           <a:p>
-            <a:fld id="{E75B5082-7F9A-43A8-906D-2265A94EFE56}" type="slidenum">
+            <a:fld id="{D0082E49-0BE6-40D5-BA5E-81F50ECF3C75}" type="slidenum">
               <a:t>&lt;#&gt;</a:t>
             </a:fld>
           </a:p>
@@ -507,7 +507,7 @@
       </p:grpSpPr>
       <p:sp>
         <p:nvSpPr>
-          <p:cNvPr id="32" name="PlaceHolder 1"/>
+          <p:cNvPr id="34" name="PlaceHolder 1"/>
           <p:cNvSpPr>
             <a:spLocks noGrp="1"/>
           </p:cNvSpPr>
@@ -517,8 +517,8 @@
         </p:nvSpPr>
         <p:spPr>
           <a:xfrm>
-            <a:off x="311760" y="444960"/>
-            <a:ext cx="8520120" cy="572400"/>
+            <a:off x="311760" y="105840"/>
+            <a:ext cx="8519760" cy="1250280"/>
           </a:xfrm>
           <a:prstGeom prst="rect">
             <a:avLst/>
@@ -533,21 +533,21 @@
             <a:noAutofit/>
           </a:bodyPr>
           <a:p>
-            <a:pPr indent="0">
-              <a:buNone/>
-            </a:pPr>
-            <a:endParaRPr b="0" lang="ru-RU" sz="1400" spc="-1" strike="noStrike">
-              <a:solidFill>
-                <a:srgbClr val="000000"/>
-              </a:solidFill>
-              <a:latin typeface="Arial"/>
-            </a:endParaRPr>
-          </a:p>
-        </p:txBody>
-      </p:sp>
-      <p:sp>
-        <p:nvSpPr>
-          <p:cNvPr id="33" name="PlaceHolder 2"/>
+            <a:pPr indent="0" algn="ctr">
+              <a:buNone/>
+            </a:pPr>
+            <a:endParaRPr b="0" lang="ru-RU" sz="4400" spc="-1" strike="noStrike">
+              <a:solidFill>
+                <a:srgbClr val="000000"/>
+              </a:solidFill>
+              <a:latin typeface="Arial"/>
+            </a:endParaRPr>
+          </a:p>
+        </p:txBody>
+      </p:sp>
+      <p:sp>
+        <p:nvSpPr>
+          <p:cNvPr id="35" name="PlaceHolder 2"/>
           <p:cNvSpPr>
             <a:spLocks noGrp="1"/>
           </p:cNvSpPr>
@@ -557,8 +557,8 @@
         </p:nvSpPr>
         <p:spPr>
           <a:xfrm>
-            <a:off x="311760" y="1152360"/>
-            <a:ext cx="1287720" cy="1629360"/>
+            <a:off x="457200" y="1203480"/>
+            <a:ext cx="2649600" cy="1422720"/>
           </a:xfrm>
           <a:prstGeom prst="rect">
             <a:avLst/>
@@ -570,7 +570,7 @@
         </p:spPr>
         <p:txBody>
           <a:bodyPr lIns="0" rIns="0" tIns="0" bIns="0" anchor="t">
-            <a:normAutofit/>
+            <a:normAutofit fontScale="74992" lnSpcReduction="20000"/>
           </a:bodyPr>
           <a:p>
             <a:pPr indent="0">
@@ -579,18 +579,18 @@
               </a:spcBef>
               <a:buNone/>
             </a:pPr>
-            <a:endParaRPr b="0" lang="ru-RU" sz="1400" spc="-1" strike="noStrike">
-              <a:solidFill>
-                <a:srgbClr val="000000"/>
-              </a:solidFill>
-              <a:latin typeface="Arial"/>
-            </a:endParaRPr>
-          </a:p>
-        </p:txBody>
-      </p:sp>
-      <p:sp>
-        <p:nvSpPr>
-          <p:cNvPr id="34" name="PlaceHolder 3"/>
+            <a:endParaRPr b="0" lang="ru-RU" sz="3200" spc="-1" strike="noStrike">
+              <a:solidFill>
+                <a:srgbClr val="000000"/>
+              </a:solidFill>
+              <a:latin typeface="Arial"/>
+            </a:endParaRPr>
+          </a:p>
+        </p:txBody>
+      </p:sp>
+      <p:sp>
+        <p:nvSpPr>
+          <p:cNvPr id="36" name="PlaceHolder 3"/>
           <p:cNvSpPr>
             <a:spLocks noGrp="1"/>
           </p:cNvSpPr>
@@ -600,8 +600,8 @@
         </p:nvSpPr>
         <p:spPr>
           <a:xfrm>
-            <a:off x="1664280" y="1152360"/>
-            <a:ext cx="1287720" cy="1629360"/>
+            <a:off x="3239640" y="1203480"/>
+            <a:ext cx="2649600" cy="1422720"/>
           </a:xfrm>
           <a:prstGeom prst="rect">
             <a:avLst/>
@@ -613,7 +613,7 @@
         </p:spPr>
         <p:txBody>
           <a:bodyPr lIns="0" rIns="0" tIns="0" bIns="0" anchor="t">
-            <a:normAutofit/>
+            <a:normAutofit fontScale="74992" lnSpcReduction="20000"/>
           </a:bodyPr>
           <a:p>
             <a:pPr indent="0">
@@ -622,18 +622,18 @@
               </a:spcBef>
               <a:buNone/>
             </a:pPr>
-            <a:endParaRPr b="0" lang="ru-RU" sz="1400" spc="-1" strike="noStrike">
-              <a:solidFill>
-                <a:srgbClr val="000000"/>
-              </a:solidFill>
-              <a:latin typeface="Arial"/>
-            </a:endParaRPr>
-          </a:p>
-        </p:txBody>
-      </p:sp>
-      <p:sp>
-        <p:nvSpPr>
-          <p:cNvPr id="35" name="PlaceHolder 4"/>
+            <a:endParaRPr b="0" lang="ru-RU" sz="3200" spc="-1" strike="noStrike">
+              <a:solidFill>
+                <a:srgbClr val="000000"/>
+              </a:solidFill>
+              <a:latin typeface="Arial"/>
+            </a:endParaRPr>
+          </a:p>
+        </p:txBody>
+      </p:sp>
+      <p:sp>
+        <p:nvSpPr>
+          <p:cNvPr id="37" name="PlaceHolder 4"/>
           <p:cNvSpPr>
             <a:spLocks noGrp="1"/>
           </p:cNvSpPr>
@@ -643,8 +643,8 @@
         </p:nvSpPr>
         <p:spPr>
           <a:xfrm>
-            <a:off x="3016800" y="1152360"/>
-            <a:ext cx="1287720" cy="1629360"/>
+            <a:off x="6022080" y="1203480"/>
+            <a:ext cx="2649600" cy="1422720"/>
           </a:xfrm>
           <a:prstGeom prst="rect">
             <a:avLst/>
@@ -656,7 +656,7 @@
         </p:spPr>
         <p:txBody>
           <a:bodyPr lIns="0" rIns="0" tIns="0" bIns="0" anchor="t">
-            <a:normAutofit/>
+            <a:normAutofit fontScale="74992" lnSpcReduction="20000"/>
           </a:bodyPr>
           <a:p>
             <a:pPr indent="0">
@@ -665,18 +665,18 @@
               </a:spcBef>
               <a:buNone/>
             </a:pPr>
-            <a:endParaRPr b="0" lang="ru-RU" sz="1400" spc="-1" strike="noStrike">
-              <a:solidFill>
-                <a:srgbClr val="000000"/>
-              </a:solidFill>
-              <a:latin typeface="Arial"/>
-            </a:endParaRPr>
-          </a:p>
-        </p:txBody>
-      </p:sp>
-      <p:sp>
-        <p:nvSpPr>
-          <p:cNvPr id="36" name="PlaceHolder 5"/>
+            <a:endParaRPr b="0" lang="ru-RU" sz="3200" spc="-1" strike="noStrike">
+              <a:solidFill>
+                <a:srgbClr val="000000"/>
+              </a:solidFill>
+              <a:latin typeface="Arial"/>
+            </a:endParaRPr>
+          </a:p>
+        </p:txBody>
+      </p:sp>
+      <p:sp>
+        <p:nvSpPr>
+          <p:cNvPr id="38" name="PlaceHolder 5"/>
           <p:cNvSpPr>
             <a:spLocks noGrp="1"/>
           </p:cNvSpPr>
@@ -686,8 +686,8 @@
         </p:nvSpPr>
         <p:spPr>
           <a:xfrm>
-            <a:off x="311760" y="2936880"/>
-            <a:ext cx="1287720" cy="1629360"/>
+            <a:off x="457200" y="2761920"/>
+            <a:ext cx="2649600" cy="1422720"/>
           </a:xfrm>
           <a:prstGeom prst="rect">
             <a:avLst/>
@@ -699,7 +699,7 @@
         </p:spPr>
         <p:txBody>
           <a:bodyPr lIns="0" rIns="0" tIns="0" bIns="0" anchor="t">
-            <a:normAutofit/>
+            <a:normAutofit fontScale="74992" lnSpcReduction="20000"/>
           </a:bodyPr>
           <a:p>
             <a:pPr indent="0">
@@ -708,18 +708,18 @@
               </a:spcBef>
               <a:buNone/>
             </a:pPr>
-            <a:endParaRPr b="0" lang="ru-RU" sz="1400" spc="-1" strike="noStrike">
-              <a:solidFill>
-                <a:srgbClr val="000000"/>
-              </a:solidFill>
-              <a:latin typeface="Arial"/>
-            </a:endParaRPr>
-          </a:p>
-        </p:txBody>
-      </p:sp>
-      <p:sp>
-        <p:nvSpPr>
-          <p:cNvPr id="37" name="PlaceHolder 6"/>
+            <a:endParaRPr b="0" lang="ru-RU" sz="3200" spc="-1" strike="noStrike">
+              <a:solidFill>
+                <a:srgbClr val="000000"/>
+              </a:solidFill>
+              <a:latin typeface="Arial"/>
+            </a:endParaRPr>
+          </a:p>
+        </p:txBody>
+      </p:sp>
+      <p:sp>
+        <p:nvSpPr>
+          <p:cNvPr id="39" name="PlaceHolder 6"/>
           <p:cNvSpPr>
             <a:spLocks noGrp="1"/>
           </p:cNvSpPr>
@@ -729,8 +729,8 @@
         </p:nvSpPr>
         <p:spPr>
           <a:xfrm>
-            <a:off x="1664280" y="2936880"/>
-            <a:ext cx="1287720" cy="1629360"/>
+            <a:off x="3239640" y="2761920"/>
+            <a:ext cx="2649600" cy="1422720"/>
           </a:xfrm>
           <a:prstGeom prst="rect">
             <a:avLst/>
@@ -742,7 +742,7 @@
         </p:spPr>
         <p:txBody>
           <a:bodyPr lIns="0" rIns="0" tIns="0" bIns="0" anchor="t">
-            <a:normAutofit/>
+            <a:normAutofit fontScale="74992" lnSpcReduction="20000"/>
           </a:bodyPr>
           <a:p>
             <a:pPr indent="0">
@@ -751,18 +751,18 @@
               </a:spcBef>
               <a:buNone/>
             </a:pPr>
-            <a:endParaRPr b="0" lang="ru-RU" sz="1400" spc="-1" strike="noStrike">
-              <a:solidFill>
-                <a:srgbClr val="000000"/>
-              </a:solidFill>
-              <a:latin typeface="Arial"/>
-            </a:endParaRPr>
-          </a:p>
-        </p:txBody>
-      </p:sp>
-      <p:sp>
-        <p:nvSpPr>
-          <p:cNvPr id="38" name="PlaceHolder 7"/>
+            <a:endParaRPr b="0" lang="ru-RU" sz="3200" spc="-1" strike="noStrike">
+              <a:solidFill>
+                <a:srgbClr val="000000"/>
+              </a:solidFill>
+              <a:latin typeface="Arial"/>
+            </a:endParaRPr>
+          </a:p>
+        </p:txBody>
+      </p:sp>
+      <p:sp>
+        <p:nvSpPr>
+          <p:cNvPr id="40" name="PlaceHolder 7"/>
           <p:cNvSpPr>
             <a:spLocks noGrp="1"/>
           </p:cNvSpPr>
@@ -772,8 +772,8 @@
         </p:nvSpPr>
         <p:spPr>
           <a:xfrm>
-            <a:off x="3016800" y="2936880"/>
-            <a:ext cx="1287720" cy="1629360"/>
+            <a:off x="6022080" y="2761920"/>
+            <a:ext cx="2649600" cy="1422720"/>
           </a:xfrm>
           <a:prstGeom prst="rect">
             <a:avLst/>
@@ -785,7 +785,7 @@
         </p:spPr>
         <p:txBody>
           <a:bodyPr lIns="0" rIns="0" tIns="0" bIns="0" anchor="t">
-            <a:normAutofit/>
+            <a:normAutofit fontScale="74992" lnSpcReduction="20000"/>
           </a:bodyPr>
           <a:p>
             <a:pPr indent="0">
@@ -794,7 +794,7 @@
               </a:spcBef>
               <a:buNone/>
             </a:pPr>
-            <a:endParaRPr b="0" lang="ru-RU" sz="1400" spc="-1" strike="noStrike">
+            <a:endParaRPr b="0" lang="ru-RU" sz="3200" spc="-1" strike="noStrike">
               <a:solidFill>
                 <a:srgbClr val="000000"/>
               </a:solidFill>
@@ -817,7 +817,7 @@
         <p:txBody>
           <a:bodyPr/>
           <a:p>
-            <a:fld id="{C9938C62-C462-4E12-98B6-61AA0A5BE8B4}" type="slidenum">
+            <a:fld id="{D11D60C0-9D29-4A67-847E-1C1AB287902D}" type="slidenum">
               <a:t>&lt;#&gt;</a:t>
             </a:fld>
           </a:p>
@@ -847,7 +847,7 @@
       </p:grpSpPr>
       <p:sp>
         <p:nvSpPr>
-          <p:cNvPr id="3" name="PlaceHolder 1"/>
+          <p:cNvPr id="5" name="PlaceHolder 1"/>
           <p:cNvSpPr>
             <a:spLocks noGrp="1"/>
           </p:cNvSpPr>
@@ -857,8 +857,8 @@
         </p:nvSpPr>
         <p:spPr>
           <a:xfrm>
-            <a:off x="311760" y="444960"/>
-            <a:ext cx="8520120" cy="572400"/>
+            <a:off x="311760" y="105840"/>
+            <a:ext cx="8519760" cy="1250280"/>
           </a:xfrm>
           <a:prstGeom prst="rect">
             <a:avLst/>
@@ -873,21 +873,21 @@
             <a:noAutofit/>
           </a:bodyPr>
           <a:p>
-            <a:pPr indent="0">
-              <a:buNone/>
-            </a:pPr>
-            <a:endParaRPr b="0" lang="ru-RU" sz="1400" spc="-1" strike="noStrike">
-              <a:solidFill>
-                <a:srgbClr val="000000"/>
-              </a:solidFill>
-              <a:latin typeface="Arial"/>
-            </a:endParaRPr>
-          </a:p>
-        </p:txBody>
-      </p:sp>
-      <p:sp>
-        <p:nvSpPr>
-          <p:cNvPr id="4" name="PlaceHolder 2"/>
+            <a:pPr indent="0" algn="ctr">
+              <a:buNone/>
+            </a:pPr>
+            <a:endParaRPr b="0" lang="ru-RU" sz="4400" spc="-1" strike="noStrike">
+              <a:solidFill>
+                <a:srgbClr val="000000"/>
+              </a:solidFill>
+              <a:latin typeface="Arial"/>
+            </a:endParaRPr>
+          </a:p>
+        </p:txBody>
+      </p:sp>
+      <p:sp>
+        <p:nvSpPr>
+          <p:cNvPr id="6" name="PlaceHolder 2"/>
           <p:cNvSpPr>
             <a:spLocks noGrp="1"/>
           </p:cNvSpPr>
@@ -897,8 +897,8 @@
         </p:nvSpPr>
         <p:spPr>
           <a:xfrm>
-            <a:off x="311760" y="1152360"/>
-            <a:ext cx="3999600" cy="3416040"/>
+            <a:off x="457200" y="1203480"/>
+            <a:ext cx="8229240" cy="2982960"/>
           </a:xfrm>
           <a:prstGeom prst="rect">
             <a:avLst/>
@@ -939,7 +939,7 @@
         <p:txBody>
           <a:bodyPr/>
           <a:p>
-            <a:fld id="{9AF06029-5572-451B-A54C-1AB4FD078084}" type="slidenum">
+            <a:fld id="{C3E7149E-C675-466C-848B-E971CEB5B8BD}" type="slidenum">
               <a:t>&lt;#&gt;</a:t>
             </a:fld>
           </a:p>
@@ -969,7 +969,7 @@
       </p:grpSpPr>
       <p:sp>
         <p:nvSpPr>
-          <p:cNvPr id="5" name="PlaceHolder 1"/>
+          <p:cNvPr id="7" name="PlaceHolder 1"/>
           <p:cNvSpPr>
             <a:spLocks noGrp="1"/>
           </p:cNvSpPr>
@@ -979,8 +979,8 @@
         </p:nvSpPr>
         <p:spPr>
           <a:xfrm>
-            <a:off x="311760" y="444960"/>
-            <a:ext cx="8520120" cy="572400"/>
+            <a:off x="311760" y="105840"/>
+            <a:ext cx="8519760" cy="1250280"/>
           </a:xfrm>
           <a:prstGeom prst="rect">
             <a:avLst/>
@@ -995,21 +995,21 @@
             <a:noAutofit/>
           </a:bodyPr>
           <a:p>
-            <a:pPr indent="0">
-              <a:buNone/>
-            </a:pPr>
-            <a:endParaRPr b="0" lang="ru-RU" sz="1400" spc="-1" strike="noStrike">
-              <a:solidFill>
-                <a:srgbClr val="000000"/>
-              </a:solidFill>
-              <a:latin typeface="Arial"/>
-            </a:endParaRPr>
-          </a:p>
-        </p:txBody>
-      </p:sp>
-      <p:sp>
-        <p:nvSpPr>
-          <p:cNvPr id="6" name="PlaceHolder 2"/>
+            <a:pPr indent="0" algn="ctr">
+              <a:buNone/>
+            </a:pPr>
+            <a:endParaRPr b="0" lang="ru-RU" sz="4400" spc="-1" strike="noStrike">
+              <a:solidFill>
+                <a:srgbClr val="000000"/>
+              </a:solidFill>
+              <a:latin typeface="Arial"/>
+            </a:endParaRPr>
+          </a:p>
+        </p:txBody>
+      </p:sp>
+      <p:sp>
+        <p:nvSpPr>
+          <p:cNvPr id="8" name="PlaceHolder 2"/>
           <p:cNvSpPr>
             <a:spLocks noGrp="1"/>
           </p:cNvSpPr>
@@ -1019,8 +1019,8 @@
         </p:nvSpPr>
         <p:spPr>
           <a:xfrm>
-            <a:off x="311760" y="1152360"/>
-            <a:ext cx="3999600" cy="3416040"/>
+            <a:off x="457200" y="1203480"/>
+            <a:ext cx="8229240" cy="2982960"/>
           </a:xfrm>
           <a:prstGeom prst="rect">
             <a:avLst/>
@@ -1041,7 +1041,7 @@
               </a:spcBef>
               <a:buNone/>
             </a:pPr>
-            <a:endParaRPr b="0" lang="ru-RU" sz="1400" spc="-1" strike="noStrike">
+            <a:endParaRPr b="0" lang="ru-RU" sz="3200" spc="-1" strike="noStrike">
               <a:solidFill>
                 <a:srgbClr val="000000"/>
               </a:solidFill>
@@ -1064,7 +1064,7 @@
         <p:txBody>
           <a:bodyPr/>
           <a:p>
-            <a:fld id="{B9BB27DA-8254-451B-BC54-A9F1463AF116}" type="slidenum">
+            <a:fld id="{A590351C-270C-406D-9DF6-4695EEB93351}" type="slidenum">
               <a:t>&lt;#&gt;</a:t>
             </a:fld>
           </a:p>
@@ -1094,7 +1094,7 @@
       </p:grpSpPr>
       <p:sp>
         <p:nvSpPr>
-          <p:cNvPr id="7" name="PlaceHolder 1"/>
+          <p:cNvPr id="9" name="PlaceHolder 1"/>
           <p:cNvSpPr>
             <a:spLocks noGrp="1"/>
           </p:cNvSpPr>
@@ -1104,8 +1104,8 @@
         </p:nvSpPr>
         <p:spPr>
           <a:xfrm>
-            <a:off x="311760" y="444960"/>
-            <a:ext cx="8520120" cy="572400"/>
+            <a:off x="311760" y="105840"/>
+            <a:ext cx="8519760" cy="1250280"/>
           </a:xfrm>
           <a:prstGeom prst="rect">
             <a:avLst/>
@@ -1120,21 +1120,21 @@
             <a:noAutofit/>
           </a:bodyPr>
           <a:p>
-            <a:pPr indent="0">
-              <a:buNone/>
-            </a:pPr>
-            <a:endParaRPr b="0" lang="ru-RU" sz="1400" spc="-1" strike="noStrike">
-              <a:solidFill>
-                <a:srgbClr val="000000"/>
-              </a:solidFill>
-              <a:latin typeface="Arial"/>
-            </a:endParaRPr>
-          </a:p>
-        </p:txBody>
-      </p:sp>
-      <p:sp>
-        <p:nvSpPr>
-          <p:cNvPr id="8" name="PlaceHolder 2"/>
+            <a:pPr indent="0" algn="ctr">
+              <a:buNone/>
+            </a:pPr>
+            <a:endParaRPr b="0" lang="ru-RU" sz="4400" spc="-1" strike="noStrike">
+              <a:solidFill>
+                <a:srgbClr val="000000"/>
+              </a:solidFill>
+              <a:latin typeface="Arial"/>
+            </a:endParaRPr>
+          </a:p>
+        </p:txBody>
+      </p:sp>
+      <p:sp>
+        <p:nvSpPr>
+          <p:cNvPr id="10" name="PlaceHolder 2"/>
           <p:cNvSpPr>
             <a:spLocks noGrp="1"/>
           </p:cNvSpPr>
@@ -1144,8 +1144,8 @@
         </p:nvSpPr>
         <p:spPr>
           <a:xfrm>
-            <a:off x="311760" y="1152360"/>
-            <a:ext cx="1951560" cy="3416040"/>
+            <a:off x="457200" y="1203480"/>
+            <a:ext cx="4015800" cy="2982960"/>
           </a:xfrm>
           <a:prstGeom prst="rect">
             <a:avLst/>
@@ -1166,18 +1166,18 @@
               </a:spcBef>
               <a:buNone/>
             </a:pPr>
-            <a:endParaRPr b="0" lang="ru-RU" sz="1400" spc="-1" strike="noStrike">
-              <a:solidFill>
-                <a:srgbClr val="000000"/>
-              </a:solidFill>
-              <a:latin typeface="Arial"/>
-            </a:endParaRPr>
-          </a:p>
-        </p:txBody>
-      </p:sp>
-      <p:sp>
-        <p:nvSpPr>
-          <p:cNvPr id="9" name="PlaceHolder 3"/>
+            <a:endParaRPr b="0" lang="ru-RU" sz="3200" spc="-1" strike="noStrike">
+              <a:solidFill>
+                <a:srgbClr val="000000"/>
+              </a:solidFill>
+              <a:latin typeface="Arial"/>
+            </a:endParaRPr>
+          </a:p>
+        </p:txBody>
+      </p:sp>
+      <p:sp>
+        <p:nvSpPr>
+          <p:cNvPr id="11" name="PlaceHolder 3"/>
           <p:cNvSpPr>
             <a:spLocks noGrp="1"/>
           </p:cNvSpPr>
@@ -1187,8 +1187,8 @@
         </p:nvSpPr>
         <p:spPr>
           <a:xfrm>
-            <a:off x="2361240" y="1152360"/>
-            <a:ext cx="1951560" cy="3416040"/>
+            <a:off x="4674240" y="1203480"/>
+            <a:ext cx="4015800" cy="2982960"/>
           </a:xfrm>
           <a:prstGeom prst="rect">
             <a:avLst/>
@@ -1209,7 +1209,7 @@
               </a:spcBef>
               <a:buNone/>
             </a:pPr>
-            <a:endParaRPr b="0" lang="ru-RU" sz="1400" spc="-1" strike="noStrike">
+            <a:endParaRPr b="0" lang="ru-RU" sz="3200" spc="-1" strike="noStrike">
               <a:solidFill>
                 <a:srgbClr val="000000"/>
               </a:solidFill>
@@ -1232,7 +1232,7 @@
         <p:txBody>
           <a:bodyPr/>
           <a:p>
-            <a:fld id="{855F3757-E6B0-458D-B6F6-4D9BB476464E}" type="slidenum">
+            <a:fld id="{DD910ADD-7DC4-4C7B-AF2E-52814636F6CD}" type="slidenum">
               <a:t>&lt;#&gt;</a:t>
             </a:fld>
           </a:p>
@@ -1262,7 +1262,7 @@
       </p:grpSpPr>
       <p:sp>
         <p:nvSpPr>
-          <p:cNvPr id="10" name="PlaceHolder 1"/>
+          <p:cNvPr id="12" name="PlaceHolder 1"/>
           <p:cNvSpPr>
             <a:spLocks noGrp="1"/>
           </p:cNvSpPr>
@@ -1272,8 +1272,8 @@
         </p:nvSpPr>
         <p:spPr>
           <a:xfrm>
-            <a:off x="311760" y="444960"/>
-            <a:ext cx="8520120" cy="572400"/>
+            <a:off x="311760" y="105840"/>
+            <a:ext cx="8519760" cy="1250280"/>
           </a:xfrm>
           <a:prstGeom prst="rect">
             <a:avLst/>
@@ -1288,10 +1288,10 @@
             <a:noAutofit/>
           </a:bodyPr>
           <a:p>
-            <a:pPr indent="0">
-              <a:buNone/>
-            </a:pPr>
-            <a:endParaRPr b="0" lang="ru-RU" sz="1400" spc="-1" strike="noStrike">
+            <a:pPr indent="0" algn="ctr">
+              <a:buNone/>
+            </a:pPr>
+            <a:endParaRPr b="0" lang="ru-RU" sz="4400" spc="-1" strike="noStrike">
               <a:solidFill>
                 <a:srgbClr val="000000"/>
               </a:solidFill>
@@ -1314,7 +1314,7 @@
         <p:txBody>
           <a:bodyPr/>
           <a:p>
-            <a:fld id="{2DDE5C37-51F5-4117-96FB-1A60ADC5ACDC}" type="slidenum">
+            <a:fld id="{A9B1BD1B-02BD-45B3-A745-274343FE351B}" type="slidenum">
               <a:t>&lt;#&gt;</a:t>
             </a:fld>
           </a:p>
@@ -1344,7 +1344,7 @@
       </p:grpSpPr>
       <p:sp>
         <p:nvSpPr>
-          <p:cNvPr id="11" name="PlaceHolder 1"/>
+          <p:cNvPr id="13" name="PlaceHolder 1"/>
           <p:cNvSpPr>
             <a:spLocks noGrp="1"/>
           </p:cNvSpPr>
@@ -1355,7 +1355,7 @@
         <p:spPr>
           <a:xfrm>
             <a:off x="311760" y="444960"/>
-            <a:ext cx="8520120" cy="2654640"/>
+            <a:ext cx="8519760" cy="2652840"/>
           </a:xfrm>
           <a:prstGeom prst="rect">
             <a:avLst/>
@@ -1394,7 +1394,7 @@
         <p:txBody>
           <a:bodyPr/>
           <a:p>
-            <a:fld id="{4AE5F7A8-C6F0-4A3C-82E2-CB3DEEFBDD8F}" type="slidenum">
+            <a:fld id="{7DC1FEE5-5458-4F4D-88CF-1F750D4DDE70}" type="slidenum">
               <a:t>&lt;#&gt;</a:t>
             </a:fld>
           </a:p>
@@ -1424,7 +1424,7 @@
       </p:grpSpPr>
       <p:sp>
         <p:nvSpPr>
-          <p:cNvPr id="12" name="PlaceHolder 1"/>
+          <p:cNvPr id="14" name="PlaceHolder 1"/>
           <p:cNvSpPr>
             <a:spLocks noGrp="1"/>
           </p:cNvSpPr>
@@ -1434,8 +1434,8 @@
         </p:nvSpPr>
         <p:spPr>
           <a:xfrm>
-            <a:off x="311760" y="444960"/>
-            <a:ext cx="8520120" cy="572400"/>
+            <a:off x="311760" y="105840"/>
+            <a:ext cx="8519760" cy="1250280"/>
           </a:xfrm>
           <a:prstGeom prst="rect">
             <a:avLst/>
@@ -1450,21 +1450,21 @@
             <a:noAutofit/>
           </a:bodyPr>
           <a:p>
-            <a:pPr indent="0">
-              <a:buNone/>
-            </a:pPr>
-            <a:endParaRPr b="0" lang="ru-RU" sz="1400" spc="-1" strike="noStrike">
-              <a:solidFill>
-                <a:srgbClr val="000000"/>
-              </a:solidFill>
-              <a:latin typeface="Arial"/>
-            </a:endParaRPr>
-          </a:p>
-        </p:txBody>
-      </p:sp>
-      <p:sp>
-        <p:nvSpPr>
-          <p:cNvPr id="13" name="PlaceHolder 2"/>
+            <a:pPr indent="0" algn="ctr">
+              <a:buNone/>
+            </a:pPr>
+            <a:endParaRPr b="0" lang="ru-RU" sz="4400" spc="-1" strike="noStrike">
+              <a:solidFill>
+                <a:srgbClr val="000000"/>
+              </a:solidFill>
+              <a:latin typeface="Arial"/>
+            </a:endParaRPr>
+          </a:p>
+        </p:txBody>
+      </p:sp>
+      <p:sp>
+        <p:nvSpPr>
+          <p:cNvPr id="15" name="PlaceHolder 2"/>
           <p:cNvSpPr>
             <a:spLocks noGrp="1"/>
           </p:cNvSpPr>
@@ -1474,8 +1474,8 @@
         </p:nvSpPr>
         <p:spPr>
           <a:xfrm>
-            <a:off x="311760" y="1152360"/>
-            <a:ext cx="1951560" cy="1629360"/>
+            <a:off x="457200" y="1203480"/>
+            <a:ext cx="4015800" cy="1422720"/>
           </a:xfrm>
           <a:prstGeom prst="rect">
             <a:avLst/>
@@ -1496,18 +1496,18 @@
               </a:spcBef>
               <a:buNone/>
             </a:pPr>
-            <a:endParaRPr b="0" lang="ru-RU" sz="1400" spc="-1" strike="noStrike">
-              <a:solidFill>
-                <a:srgbClr val="000000"/>
-              </a:solidFill>
-              <a:latin typeface="Arial"/>
-            </a:endParaRPr>
-          </a:p>
-        </p:txBody>
-      </p:sp>
-      <p:sp>
-        <p:nvSpPr>
-          <p:cNvPr id="14" name="PlaceHolder 3"/>
+            <a:endParaRPr b="0" lang="ru-RU" sz="3200" spc="-1" strike="noStrike">
+              <a:solidFill>
+                <a:srgbClr val="000000"/>
+              </a:solidFill>
+              <a:latin typeface="Arial"/>
+            </a:endParaRPr>
+          </a:p>
+        </p:txBody>
+      </p:sp>
+      <p:sp>
+        <p:nvSpPr>
+          <p:cNvPr id="16" name="PlaceHolder 3"/>
           <p:cNvSpPr>
             <a:spLocks noGrp="1"/>
           </p:cNvSpPr>
@@ -1517,8 +1517,8 @@
         </p:nvSpPr>
         <p:spPr>
           <a:xfrm>
-            <a:off x="2361240" y="1152360"/>
-            <a:ext cx="1951560" cy="3416040"/>
+            <a:off x="4674240" y="1203480"/>
+            <a:ext cx="4015800" cy="2982960"/>
           </a:xfrm>
           <a:prstGeom prst="rect">
             <a:avLst/>
@@ -1539,18 +1539,18 @@
               </a:spcBef>
               <a:buNone/>
             </a:pPr>
-            <a:endParaRPr b="0" lang="ru-RU" sz="1400" spc="-1" strike="noStrike">
-              <a:solidFill>
-                <a:srgbClr val="000000"/>
-              </a:solidFill>
-              <a:latin typeface="Arial"/>
-            </a:endParaRPr>
-          </a:p>
-        </p:txBody>
-      </p:sp>
-      <p:sp>
-        <p:nvSpPr>
-          <p:cNvPr id="15" name="PlaceHolder 4"/>
+            <a:endParaRPr b="0" lang="ru-RU" sz="3200" spc="-1" strike="noStrike">
+              <a:solidFill>
+                <a:srgbClr val="000000"/>
+              </a:solidFill>
+              <a:latin typeface="Arial"/>
+            </a:endParaRPr>
+          </a:p>
+        </p:txBody>
+      </p:sp>
+      <p:sp>
+        <p:nvSpPr>
+          <p:cNvPr id="17" name="PlaceHolder 4"/>
           <p:cNvSpPr>
             <a:spLocks noGrp="1"/>
           </p:cNvSpPr>
@@ -1560,8 +1560,8 @@
         </p:nvSpPr>
         <p:spPr>
           <a:xfrm>
-            <a:off x="311760" y="2936880"/>
-            <a:ext cx="1951560" cy="1629360"/>
+            <a:off x="457200" y="2761920"/>
+            <a:ext cx="4015800" cy="1422720"/>
           </a:xfrm>
           <a:prstGeom prst="rect">
             <a:avLst/>
@@ -1582,7 +1582,7 @@
               </a:spcBef>
               <a:buNone/>
             </a:pPr>
-            <a:endParaRPr b="0" lang="ru-RU" sz="1400" spc="-1" strike="noStrike">
+            <a:endParaRPr b="0" lang="ru-RU" sz="3200" spc="-1" strike="noStrike">
               <a:solidFill>
                 <a:srgbClr val="000000"/>
               </a:solidFill>
@@ -1605,7 +1605,7 @@
         <p:txBody>
           <a:bodyPr/>
           <a:p>
-            <a:fld id="{0A87E9FC-3607-4E9F-9DF1-31123CF8A1B3}" type="slidenum">
+            <a:fld id="{A6DE240B-860A-48A6-9FF1-9A60EB1A6BB3}" type="slidenum">
               <a:t>&lt;#&gt;</a:t>
             </a:fld>
           </a:p>
@@ -1635,7 +1635,7 @@
       </p:grpSpPr>
       <p:sp>
         <p:nvSpPr>
-          <p:cNvPr id="16" name="PlaceHolder 1"/>
+          <p:cNvPr id="18" name="PlaceHolder 1"/>
           <p:cNvSpPr>
             <a:spLocks noGrp="1"/>
           </p:cNvSpPr>
@@ -1645,8 +1645,8 @@
         </p:nvSpPr>
         <p:spPr>
           <a:xfrm>
-            <a:off x="311760" y="444960"/>
-            <a:ext cx="8520120" cy="572400"/>
+            <a:off x="311760" y="105840"/>
+            <a:ext cx="8519760" cy="1250280"/>
           </a:xfrm>
           <a:prstGeom prst="rect">
             <a:avLst/>
@@ -1661,21 +1661,21 @@
             <a:noAutofit/>
           </a:bodyPr>
           <a:p>
-            <a:pPr indent="0">
-              <a:buNone/>
-            </a:pPr>
-            <a:endParaRPr b="0" lang="ru-RU" sz="1400" spc="-1" strike="noStrike">
-              <a:solidFill>
-                <a:srgbClr val="000000"/>
-              </a:solidFill>
-              <a:latin typeface="Arial"/>
-            </a:endParaRPr>
-          </a:p>
-        </p:txBody>
-      </p:sp>
-      <p:sp>
-        <p:nvSpPr>
-          <p:cNvPr id="17" name="PlaceHolder 2"/>
+            <a:pPr indent="0" algn="ctr">
+              <a:buNone/>
+            </a:pPr>
+            <a:endParaRPr b="0" lang="ru-RU" sz="4400" spc="-1" strike="noStrike">
+              <a:solidFill>
+                <a:srgbClr val="000000"/>
+              </a:solidFill>
+              <a:latin typeface="Arial"/>
+            </a:endParaRPr>
+          </a:p>
+        </p:txBody>
+      </p:sp>
+      <p:sp>
+        <p:nvSpPr>
+          <p:cNvPr id="19" name="PlaceHolder 2"/>
           <p:cNvSpPr>
             <a:spLocks noGrp="1"/>
           </p:cNvSpPr>
@@ -1685,8 +1685,8 @@
         </p:nvSpPr>
         <p:spPr>
           <a:xfrm>
-            <a:off x="311760" y="1152360"/>
-            <a:ext cx="1951560" cy="3416040"/>
+            <a:off x="457200" y="1203480"/>
+            <a:ext cx="4015800" cy="2982960"/>
           </a:xfrm>
           <a:prstGeom prst="rect">
             <a:avLst/>
@@ -1707,18 +1707,18 @@
               </a:spcBef>
               <a:buNone/>
             </a:pPr>
-            <a:endParaRPr b="0" lang="ru-RU" sz="1400" spc="-1" strike="noStrike">
-              <a:solidFill>
-                <a:srgbClr val="000000"/>
-              </a:solidFill>
-              <a:latin typeface="Arial"/>
-            </a:endParaRPr>
-          </a:p>
-        </p:txBody>
-      </p:sp>
-      <p:sp>
-        <p:nvSpPr>
-          <p:cNvPr id="18" name="PlaceHolder 3"/>
+            <a:endParaRPr b="0" lang="ru-RU" sz="3200" spc="-1" strike="noStrike">
+              <a:solidFill>
+                <a:srgbClr val="000000"/>
+              </a:solidFill>
+              <a:latin typeface="Arial"/>
+            </a:endParaRPr>
+          </a:p>
+        </p:txBody>
+      </p:sp>
+      <p:sp>
+        <p:nvSpPr>
+          <p:cNvPr id="20" name="PlaceHolder 3"/>
           <p:cNvSpPr>
             <a:spLocks noGrp="1"/>
           </p:cNvSpPr>
@@ -1728,8 +1728,8 @@
         </p:nvSpPr>
         <p:spPr>
           <a:xfrm>
-            <a:off x="2361240" y="1152360"/>
-            <a:ext cx="1951560" cy="1629360"/>
+            <a:off x="4674240" y="1203480"/>
+            <a:ext cx="4015800" cy="1422720"/>
           </a:xfrm>
           <a:prstGeom prst="rect">
             <a:avLst/>
@@ -1750,18 +1750,18 @@
               </a:spcBef>
               <a:buNone/>
             </a:pPr>
-            <a:endParaRPr b="0" lang="ru-RU" sz="1400" spc="-1" strike="noStrike">
-              <a:solidFill>
-                <a:srgbClr val="000000"/>
-              </a:solidFill>
-              <a:latin typeface="Arial"/>
-            </a:endParaRPr>
-          </a:p>
-        </p:txBody>
-      </p:sp>
-      <p:sp>
-        <p:nvSpPr>
-          <p:cNvPr id="19" name="PlaceHolder 4"/>
+            <a:endParaRPr b="0" lang="ru-RU" sz="3200" spc="-1" strike="noStrike">
+              <a:solidFill>
+                <a:srgbClr val="000000"/>
+              </a:solidFill>
+              <a:latin typeface="Arial"/>
+            </a:endParaRPr>
+          </a:p>
+        </p:txBody>
+      </p:sp>
+      <p:sp>
+        <p:nvSpPr>
+          <p:cNvPr id="21" name="PlaceHolder 4"/>
           <p:cNvSpPr>
             <a:spLocks noGrp="1"/>
           </p:cNvSpPr>
@@ -1771,8 +1771,8 @@
         </p:nvSpPr>
         <p:spPr>
           <a:xfrm>
-            <a:off x="2361240" y="2936880"/>
-            <a:ext cx="1951560" cy="1629360"/>
+            <a:off x="4674240" y="2761920"/>
+            <a:ext cx="4015800" cy="1422720"/>
           </a:xfrm>
           <a:prstGeom prst="rect">
             <a:avLst/>
@@ -1793,7 +1793,7 @@
               </a:spcBef>
               <a:buNone/>
             </a:pPr>
-            <a:endParaRPr b="0" lang="ru-RU" sz="1400" spc="-1" strike="noStrike">
+            <a:endParaRPr b="0" lang="ru-RU" sz="3200" spc="-1" strike="noStrike">
               <a:solidFill>
                 <a:srgbClr val="000000"/>
               </a:solidFill>
@@ -1816,7 +1816,7 @@
         <p:txBody>
           <a:bodyPr/>
           <a:p>
-            <a:fld id="{0B975026-9285-4795-AF18-3259C9E617A3}" type="slidenum">
+            <a:fld id="{7C3FC32C-FF2D-4F6C-A912-C8D42EBC254C}" type="slidenum">
               <a:t>&lt;#&gt;</a:t>
             </a:fld>
           </a:p>
@@ -1846,7 +1846,7 @@
       </p:grpSpPr>
       <p:sp>
         <p:nvSpPr>
-          <p:cNvPr id="20" name="PlaceHolder 1"/>
+          <p:cNvPr id="22" name="PlaceHolder 1"/>
           <p:cNvSpPr>
             <a:spLocks noGrp="1"/>
           </p:cNvSpPr>
@@ -1856,8 +1856,8 @@
         </p:nvSpPr>
         <p:spPr>
           <a:xfrm>
-            <a:off x="311760" y="444960"/>
-            <a:ext cx="8520120" cy="572400"/>
+            <a:off x="311760" y="105840"/>
+            <a:ext cx="8519760" cy="1250280"/>
           </a:xfrm>
           <a:prstGeom prst="rect">
             <a:avLst/>
@@ -1872,21 +1872,21 @@
             <a:noAutofit/>
           </a:bodyPr>
           <a:p>
-            <a:pPr indent="0">
-              <a:buNone/>
-            </a:pPr>
-            <a:endParaRPr b="0" lang="ru-RU" sz="1400" spc="-1" strike="noStrike">
-              <a:solidFill>
-                <a:srgbClr val="000000"/>
-              </a:solidFill>
-              <a:latin typeface="Arial"/>
-            </a:endParaRPr>
-          </a:p>
-        </p:txBody>
-      </p:sp>
-      <p:sp>
-        <p:nvSpPr>
-          <p:cNvPr id="21" name="PlaceHolder 2"/>
+            <a:pPr indent="0" algn="ctr">
+              <a:buNone/>
+            </a:pPr>
+            <a:endParaRPr b="0" lang="ru-RU" sz="4400" spc="-1" strike="noStrike">
+              <a:solidFill>
+                <a:srgbClr val="000000"/>
+              </a:solidFill>
+              <a:latin typeface="Arial"/>
+            </a:endParaRPr>
+          </a:p>
+        </p:txBody>
+      </p:sp>
+      <p:sp>
+        <p:nvSpPr>
+          <p:cNvPr id="23" name="PlaceHolder 2"/>
           <p:cNvSpPr>
             <a:spLocks noGrp="1"/>
           </p:cNvSpPr>
@@ -1896,8 +1896,8 @@
         </p:nvSpPr>
         <p:spPr>
           <a:xfrm>
-            <a:off x="311760" y="1152360"/>
-            <a:ext cx="1951560" cy="1629360"/>
+            <a:off x="457200" y="1203480"/>
+            <a:ext cx="4015800" cy="1422720"/>
           </a:xfrm>
           <a:prstGeom prst="rect">
             <a:avLst/>
@@ -1918,18 +1918,18 @@
               </a:spcBef>
               <a:buNone/>
             </a:pPr>
-            <a:endParaRPr b="0" lang="ru-RU" sz="1400" spc="-1" strike="noStrike">
-              <a:solidFill>
-                <a:srgbClr val="000000"/>
-              </a:solidFill>
-              <a:latin typeface="Arial"/>
-            </a:endParaRPr>
-          </a:p>
-        </p:txBody>
-      </p:sp>
-      <p:sp>
-        <p:nvSpPr>
-          <p:cNvPr id="22" name="PlaceHolder 3"/>
+            <a:endParaRPr b="0" lang="ru-RU" sz="3200" spc="-1" strike="noStrike">
+              <a:solidFill>
+                <a:srgbClr val="000000"/>
+              </a:solidFill>
+              <a:latin typeface="Arial"/>
+            </a:endParaRPr>
+          </a:p>
+        </p:txBody>
+      </p:sp>
+      <p:sp>
+        <p:nvSpPr>
+          <p:cNvPr id="24" name="PlaceHolder 3"/>
           <p:cNvSpPr>
             <a:spLocks noGrp="1"/>
           </p:cNvSpPr>
@@ -1939,8 +1939,8 @@
         </p:nvSpPr>
         <p:spPr>
           <a:xfrm>
-            <a:off x="2361240" y="1152360"/>
-            <a:ext cx="1951560" cy="1629360"/>
+            <a:off x="4674240" y="1203480"/>
+            <a:ext cx="4015800" cy="1422720"/>
           </a:xfrm>
           <a:prstGeom prst="rect">
             <a:avLst/>
@@ -1961,18 +1961,18 @@
               </a:spcBef>
               <a:buNone/>
             </a:pPr>
-            <a:endParaRPr b="0" lang="ru-RU" sz="1400" spc="-1" strike="noStrike">
-              <a:solidFill>
-                <a:srgbClr val="000000"/>
-              </a:solidFill>
-              <a:latin typeface="Arial"/>
-            </a:endParaRPr>
-          </a:p>
-        </p:txBody>
-      </p:sp>
-      <p:sp>
-        <p:nvSpPr>
-          <p:cNvPr id="23" name="PlaceHolder 4"/>
+            <a:endParaRPr b="0" lang="ru-RU" sz="3200" spc="-1" strike="noStrike">
+              <a:solidFill>
+                <a:srgbClr val="000000"/>
+              </a:solidFill>
+              <a:latin typeface="Arial"/>
+            </a:endParaRPr>
+          </a:p>
+        </p:txBody>
+      </p:sp>
+      <p:sp>
+        <p:nvSpPr>
+          <p:cNvPr id="25" name="PlaceHolder 4"/>
           <p:cNvSpPr>
             <a:spLocks noGrp="1"/>
           </p:cNvSpPr>
@@ -1982,8 +1982,8 @@
         </p:nvSpPr>
         <p:spPr>
           <a:xfrm>
-            <a:off x="311760" y="2936880"/>
-            <a:ext cx="3999600" cy="1629360"/>
+            <a:off x="457200" y="2761920"/>
+            <a:ext cx="8229240" cy="1422720"/>
           </a:xfrm>
           <a:prstGeom prst="rect">
             <a:avLst/>
@@ -2004,7 +2004,7 @@
               </a:spcBef>
               <a:buNone/>
             </a:pPr>
-            <a:endParaRPr b="0" lang="ru-RU" sz="1400" spc="-1" strike="noStrike">
+            <a:endParaRPr b="0" lang="ru-RU" sz="3200" spc="-1" strike="noStrike">
               <a:solidFill>
                 <a:srgbClr val="000000"/>
               </a:solidFill>
@@ -2027,7 +2027,7 @@
         <p:txBody>
           <a:bodyPr/>
           <a:p>
-            <a:fld id="{09593D86-CBBE-4250-90EF-0ED2CC328ECA}" type="slidenum">
+            <a:fld id="{E4FCA8FB-FD22-4682-A839-16B16EB2F162}" type="slidenum">
               <a:t>&lt;#&gt;</a:t>
             </a:fld>
           </a:p>
@@ -2074,27 +2074,27 @@
         </p:nvSpPr>
         <p:spPr>
           <a:xfrm>
-            <a:off x="311760" y="744480"/>
-            <a:ext cx="8520120" cy="2052360"/>
-          </a:xfrm>
-          <a:prstGeom prst="rect">
-            <a:avLst/>
-          </a:prstGeom>
-          <a:noFill/>
-          <a:ln w="0">
-            <a:noFill/>
-          </a:ln>
-        </p:spPr>
-        <p:txBody>
-          <a:bodyPr lIns="91440" rIns="91440" tIns="91440" bIns="91440" anchor="b">
-            <a:normAutofit fontScale="98100"/>
-          </a:bodyPr>
-          <a:p>
-            <a:pPr indent="0">
-              <a:buNone/>
-            </a:pPr>
-            <a:r>
-              <a:rPr b="0" lang="ru-RU" sz="5200" spc="-1" strike="noStrike">
+            <a:off x="311760" y="444960"/>
+            <a:ext cx="8519760" cy="572040"/>
+          </a:xfrm>
+          <a:prstGeom prst="rect">
+            <a:avLst/>
+          </a:prstGeom>
+          <a:noFill/>
+          <a:ln w="0">
+            <a:noFill/>
+          </a:ln>
+        </p:spPr>
+        <p:txBody>
+          <a:bodyPr lIns="0" rIns="0" tIns="0" bIns="0" anchor="ctr">
+            <a:noAutofit/>
+          </a:bodyPr>
+          <a:p>
+            <a:pPr indent="0">
+              <a:buNone/>
+            </a:pPr>
+            <a:r>
+              <a:rPr b="0" lang="ru-RU" sz="1800" spc="-1" strike="noStrike">
                 <a:solidFill>
                   <a:srgbClr val="000000"/>
                 </a:solidFill>
@@ -2102,7 +2102,7 @@
               </a:rPr>
               <a:t>Для правки текста заглавия щёлкните мышью</a:t>
             </a:r>
-            <a:endParaRPr b="0" lang="ru-RU" sz="5200" spc="-1" strike="noStrike">
+            <a:endParaRPr b="0" lang="ru-RU" sz="1800" spc="-1" strike="noStrike">
               <a:solidFill>
                 <a:srgbClr val="000000"/>
               </a:solidFill>
@@ -2118,13 +2118,688 @@
             <a:spLocks noGrp="1"/>
           </p:cNvSpPr>
           <p:nvPr>
+            <p:ph type="body"/>
+          </p:nvPr>
+        </p:nvSpPr>
+        <p:spPr>
+          <a:xfrm>
+            <a:off x="311760" y="1152360"/>
+            <a:ext cx="1951200" cy="1629000"/>
+          </a:xfrm>
+          <a:prstGeom prst="rect">
+            <a:avLst/>
+          </a:prstGeom>
+          <a:noFill/>
+          <a:ln w="0">
+            <a:noFill/>
+          </a:ln>
+        </p:spPr>
+        <p:txBody>
+          <a:bodyPr lIns="0" rIns="0" tIns="0" bIns="0" anchor="t">
+            <a:normAutofit fontScale="6111"/>
+          </a:bodyPr>
+          <a:p>
+            <a:pPr marL="432000" indent="-324000">
+              <a:spcBef>
+                <a:spcPts val="1417"/>
+              </a:spcBef>
+              <a:buClr>
+                <a:srgbClr val="000000"/>
+              </a:buClr>
+              <a:buSzPct val="45000"/>
+              <a:buFont typeface="Wingdings" charset="2"/>
+              <a:buChar char=""/>
+            </a:pPr>
+            <a:r>
+              <a:rPr b="0" lang="ru-RU" sz="1800" spc="-1" strike="noStrike">
+                <a:solidFill>
+                  <a:srgbClr val="000000"/>
+                </a:solidFill>
+                <a:latin typeface="Arial"/>
+              </a:rPr>
+              <a:t>Для правки структуры щёлкните мышью</a:t>
+            </a:r>
+            <a:endParaRPr b="0" lang="ru-RU" sz="1800" spc="-1" strike="noStrike">
+              <a:solidFill>
+                <a:srgbClr val="000000"/>
+              </a:solidFill>
+              <a:latin typeface="Arial"/>
+            </a:endParaRPr>
+          </a:p>
+          <a:p>
+            <a:pPr lvl="1" marL="864000" indent="-324000">
+              <a:spcBef>
+                <a:spcPts val="1134"/>
+              </a:spcBef>
+              <a:buClr>
+                <a:srgbClr val="000000"/>
+              </a:buClr>
+              <a:buSzPct val="75000"/>
+              <a:buFont typeface="Symbol" charset="2"/>
+              <a:buChar char=""/>
+            </a:pPr>
+            <a:r>
+              <a:rPr b="0" lang="ru-RU" sz="1800" spc="-1" strike="noStrike">
+                <a:solidFill>
+                  <a:srgbClr val="000000"/>
+                </a:solidFill>
+                <a:latin typeface="Arial"/>
+              </a:rPr>
+              <a:t>Второй уровень структуры</a:t>
+            </a:r>
+            <a:endParaRPr b="0" lang="ru-RU" sz="1800" spc="-1" strike="noStrike">
+              <a:solidFill>
+                <a:srgbClr val="000000"/>
+              </a:solidFill>
+              <a:latin typeface="Arial"/>
+            </a:endParaRPr>
+          </a:p>
+          <a:p>
+            <a:pPr lvl="2" marL="1296000" indent="-288000">
+              <a:spcBef>
+                <a:spcPts val="850"/>
+              </a:spcBef>
+              <a:buClr>
+                <a:srgbClr val="000000"/>
+              </a:buClr>
+              <a:buSzPct val="45000"/>
+              <a:buFont typeface="Wingdings" charset="2"/>
+              <a:buChar char=""/>
+            </a:pPr>
+            <a:r>
+              <a:rPr b="0" lang="ru-RU" sz="1800" spc="-1" strike="noStrike">
+                <a:solidFill>
+                  <a:srgbClr val="000000"/>
+                </a:solidFill>
+                <a:latin typeface="Arial"/>
+              </a:rPr>
+              <a:t>Третий уровень структуры</a:t>
+            </a:r>
+            <a:endParaRPr b="0" lang="ru-RU" sz="1800" spc="-1" strike="noStrike">
+              <a:solidFill>
+                <a:srgbClr val="000000"/>
+              </a:solidFill>
+              <a:latin typeface="Arial"/>
+            </a:endParaRPr>
+          </a:p>
+          <a:p>
+            <a:pPr lvl="3" marL="1728000" indent="-216000">
+              <a:spcBef>
+                <a:spcPts val="567"/>
+              </a:spcBef>
+              <a:buClr>
+                <a:srgbClr val="000000"/>
+              </a:buClr>
+              <a:buSzPct val="75000"/>
+              <a:buFont typeface="Symbol" charset="2"/>
+              <a:buChar char=""/>
+            </a:pPr>
+            <a:r>
+              <a:rPr b="0" lang="ru-RU" sz="1800" spc="-1" strike="noStrike">
+                <a:solidFill>
+                  <a:srgbClr val="000000"/>
+                </a:solidFill>
+                <a:latin typeface="Arial"/>
+              </a:rPr>
+              <a:t>Четвёртый уровень структуры</a:t>
+            </a:r>
+            <a:endParaRPr b="0" lang="ru-RU" sz="1800" spc="-1" strike="noStrike">
+              <a:solidFill>
+                <a:srgbClr val="000000"/>
+              </a:solidFill>
+              <a:latin typeface="Arial"/>
+            </a:endParaRPr>
+          </a:p>
+          <a:p>
+            <a:pPr lvl="4" marL="2160000" indent="-216000">
+              <a:spcBef>
+                <a:spcPts val="283"/>
+              </a:spcBef>
+              <a:buClr>
+                <a:srgbClr val="000000"/>
+              </a:buClr>
+              <a:buSzPct val="45000"/>
+              <a:buFont typeface="Wingdings" charset="2"/>
+              <a:buChar char=""/>
+            </a:pPr>
+            <a:r>
+              <a:rPr b="0" lang="ru-RU" sz="1800" spc="-1" strike="noStrike">
+                <a:solidFill>
+                  <a:srgbClr val="000000"/>
+                </a:solidFill>
+                <a:latin typeface="Arial"/>
+              </a:rPr>
+              <a:t>Пятый уровень структуры</a:t>
+            </a:r>
+            <a:endParaRPr b="0" lang="ru-RU" sz="1800" spc="-1" strike="noStrike">
+              <a:solidFill>
+                <a:srgbClr val="000000"/>
+              </a:solidFill>
+              <a:latin typeface="Arial"/>
+            </a:endParaRPr>
+          </a:p>
+          <a:p>
+            <a:pPr lvl="5" marL="2592000" indent="-216000">
+              <a:spcBef>
+                <a:spcPts val="283"/>
+              </a:spcBef>
+              <a:buClr>
+                <a:srgbClr val="000000"/>
+              </a:buClr>
+              <a:buSzPct val="45000"/>
+              <a:buFont typeface="Wingdings" charset="2"/>
+              <a:buChar char=""/>
+            </a:pPr>
+            <a:r>
+              <a:rPr b="0" lang="ru-RU" sz="1800" spc="-1" strike="noStrike">
+                <a:solidFill>
+                  <a:srgbClr val="000000"/>
+                </a:solidFill>
+                <a:latin typeface="Arial"/>
+              </a:rPr>
+              <a:t>Шестой уровень структуры</a:t>
+            </a:r>
+            <a:endParaRPr b="0" lang="ru-RU" sz="1800" spc="-1" strike="noStrike">
+              <a:solidFill>
+                <a:srgbClr val="000000"/>
+              </a:solidFill>
+              <a:latin typeface="Arial"/>
+            </a:endParaRPr>
+          </a:p>
+          <a:p>
+            <a:pPr lvl="6" marL="3024000" indent="-216000">
+              <a:spcBef>
+                <a:spcPts val="283"/>
+              </a:spcBef>
+              <a:buClr>
+                <a:srgbClr val="000000"/>
+              </a:buClr>
+              <a:buSzPct val="45000"/>
+              <a:buFont typeface="Wingdings" charset="2"/>
+              <a:buChar char=""/>
+            </a:pPr>
+            <a:r>
+              <a:rPr b="0" lang="ru-RU" sz="1800" spc="-1" strike="noStrike">
+                <a:solidFill>
+                  <a:srgbClr val="000000"/>
+                </a:solidFill>
+                <a:latin typeface="Arial"/>
+              </a:rPr>
+              <a:t>Седьмой уровень структуры</a:t>
+            </a:r>
+            <a:endParaRPr b="0" lang="ru-RU" sz="1800" spc="-1" strike="noStrike">
+              <a:solidFill>
+                <a:srgbClr val="000000"/>
+              </a:solidFill>
+              <a:latin typeface="Arial"/>
+            </a:endParaRPr>
+          </a:p>
+        </p:txBody>
+      </p:sp>
+      <p:sp>
+        <p:nvSpPr>
+          <p:cNvPr id="2" name="PlaceHolder 3"/>
+          <p:cNvSpPr>
+            <a:spLocks noGrp="1"/>
+          </p:cNvSpPr>
+          <p:nvPr>
+            <p:ph type="body"/>
+          </p:nvPr>
+        </p:nvSpPr>
+        <p:spPr>
+          <a:xfrm>
+            <a:off x="2361240" y="1152360"/>
+            <a:ext cx="1951200" cy="1629000"/>
+          </a:xfrm>
+          <a:prstGeom prst="rect">
+            <a:avLst/>
+          </a:prstGeom>
+          <a:noFill/>
+          <a:ln w="0">
+            <a:noFill/>
+          </a:ln>
+        </p:spPr>
+        <p:txBody>
+          <a:bodyPr lIns="0" rIns="0" tIns="0" bIns="0" anchor="t">
+            <a:normAutofit fontScale="6111"/>
+          </a:bodyPr>
+          <a:p>
+            <a:pPr marL="432000" indent="-324000">
+              <a:spcBef>
+                <a:spcPts val="1417"/>
+              </a:spcBef>
+              <a:buClr>
+                <a:srgbClr val="000000"/>
+              </a:buClr>
+              <a:buSzPct val="45000"/>
+              <a:buFont typeface="Wingdings" charset="2"/>
+              <a:buChar char=""/>
+            </a:pPr>
+            <a:r>
+              <a:rPr b="0" lang="ru-RU" sz="1800" spc="-1" strike="noStrike">
+                <a:solidFill>
+                  <a:srgbClr val="000000"/>
+                </a:solidFill>
+                <a:latin typeface="Arial"/>
+              </a:rPr>
+              <a:t>Для правки структуры щёлкните мышью</a:t>
+            </a:r>
+            <a:endParaRPr b="0" lang="ru-RU" sz="1800" spc="-1" strike="noStrike">
+              <a:solidFill>
+                <a:srgbClr val="000000"/>
+              </a:solidFill>
+              <a:latin typeface="Arial"/>
+            </a:endParaRPr>
+          </a:p>
+          <a:p>
+            <a:pPr lvl="1" marL="864000" indent="-324000">
+              <a:spcBef>
+                <a:spcPts val="1134"/>
+              </a:spcBef>
+              <a:buClr>
+                <a:srgbClr val="000000"/>
+              </a:buClr>
+              <a:buSzPct val="75000"/>
+              <a:buFont typeface="Symbol" charset="2"/>
+              <a:buChar char=""/>
+            </a:pPr>
+            <a:r>
+              <a:rPr b="0" lang="ru-RU" sz="1800" spc="-1" strike="noStrike">
+                <a:solidFill>
+                  <a:srgbClr val="000000"/>
+                </a:solidFill>
+                <a:latin typeface="Arial"/>
+              </a:rPr>
+              <a:t>Второй уровень структуры</a:t>
+            </a:r>
+            <a:endParaRPr b="0" lang="ru-RU" sz="1800" spc="-1" strike="noStrike">
+              <a:solidFill>
+                <a:srgbClr val="000000"/>
+              </a:solidFill>
+              <a:latin typeface="Arial"/>
+            </a:endParaRPr>
+          </a:p>
+          <a:p>
+            <a:pPr lvl="2" marL="1296000" indent="-288000">
+              <a:spcBef>
+                <a:spcPts val="850"/>
+              </a:spcBef>
+              <a:buClr>
+                <a:srgbClr val="000000"/>
+              </a:buClr>
+              <a:buSzPct val="45000"/>
+              <a:buFont typeface="Wingdings" charset="2"/>
+              <a:buChar char=""/>
+            </a:pPr>
+            <a:r>
+              <a:rPr b="0" lang="ru-RU" sz="1800" spc="-1" strike="noStrike">
+                <a:solidFill>
+                  <a:srgbClr val="000000"/>
+                </a:solidFill>
+                <a:latin typeface="Arial"/>
+              </a:rPr>
+              <a:t>Третий уровень структуры</a:t>
+            </a:r>
+            <a:endParaRPr b="0" lang="ru-RU" sz="1800" spc="-1" strike="noStrike">
+              <a:solidFill>
+                <a:srgbClr val="000000"/>
+              </a:solidFill>
+              <a:latin typeface="Arial"/>
+            </a:endParaRPr>
+          </a:p>
+          <a:p>
+            <a:pPr lvl="3" marL="1728000" indent="-216000">
+              <a:spcBef>
+                <a:spcPts val="567"/>
+              </a:spcBef>
+              <a:buClr>
+                <a:srgbClr val="000000"/>
+              </a:buClr>
+              <a:buSzPct val="75000"/>
+              <a:buFont typeface="Symbol" charset="2"/>
+              <a:buChar char=""/>
+            </a:pPr>
+            <a:r>
+              <a:rPr b="0" lang="ru-RU" sz="1800" spc="-1" strike="noStrike">
+                <a:solidFill>
+                  <a:srgbClr val="000000"/>
+                </a:solidFill>
+                <a:latin typeface="Arial"/>
+              </a:rPr>
+              <a:t>Четвёртый уровень структуры</a:t>
+            </a:r>
+            <a:endParaRPr b="0" lang="ru-RU" sz="1800" spc="-1" strike="noStrike">
+              <a:solidFill>
+                <a:srgbClr val="000000"/>
+              </a:solidFill>
+              <a:latin typeface="Arial"/>
+            </a:endParaRPr>
+          </a:p>
+          <a:p>
+            <a:pPr lvl="4" marL="2160000" indent="-216000">
+              <a:spcBef>
+                <a:spcPts val="283"/>
+              </a:spcBef>
+              <a:buClr>
+                <a:srgbClr val="000000"/>
+              </a:buClr>
+              <a:buSzPct val="45000"/>
+              <a:buFont typeface="Wingdings" charset="2"/>
+              <a:buChar char=""/>
+            </a:pPr>
+            <a:r>
+              <a:rPr b="0" lang="ru-RU" sz="1800" spc="-1" strike="noStrike">
+                <a:solidFill>
+                  <a:srgbClr val="000000"/>
+                </a:solidFill>
+                <a:latin typeface="Arial"/>
+              </a:rPr>
+              <a:t>Пятый уровень структуры</a:t>
+            </a:r>
+            <a:endParaRPr b="0" lang="ru-RU" sz="1800" spc="-1" strike="noStrike">
+              <a:solidFill>
+                <a:srgbClr val="000000"/>
+              </a:solidFill>
+              <a:latin typeface="Arial"/>
+            </a:endParaRPr>
+          </a:p>
+          <a:p>
+            <a:pPr lvl="5" marL="2592000" indent="-216000">
+              <a:spcBef>
+                <a:spcPts val="283"/>
+              </a:spcBef>
+              <a:buClr>
+                <a:srgbClr val="000000"/>
+              </a:buClr>
+              <a:buSzPct val="45000"/>
+              <a:buFont typeface="Wingdings" charset="2"/>
+              <a:buChar char=""/>
+            </a:pPr>
+            <a:r>
+              <a:rPr b="0" lang="ru-RU" sz="1800" spc="-1" strike="noStrike">
+                <a:solidFill>
+                  <a:srgbClr val="000000"/>
+                </a:solidFill>
+                <a:latin typeface="Arial"/>
+              </a:rPr>
+              <a:t>Шестой уровень структуры</a:t>
+            </a:r>
+            <a:endParaRPr b="0" lang="ru-RU" sz="1800" spc="-1" strike="noStrike">
+              <a:solidFill>
+                <a:srgbClr val="000000"/>
+              </a:solidFill>
+              <a:latin typeface="Arial"/>
+            </a:endParaRPr>
+          </a:p>
+          <a:p>
+            <a:pPr lvl="6" marL="3024000" indent="-216000">
+              <a:spcBef>
+                <a:spcPts val="283"/>
+              </a:spcBef>
+              <a:buClr>
+                <a:srgbClr val="000000"/>
+              </a:buClr>
+              <a:buSzPct val="45000"/>
+              <a:buFont typeface="Wingdings" charset="2"/>
+              <a:buChar char=""/>
+            </a:pPr>
+            <a:r>
+              <a:rPr b="0" lang="ru-RU" sz="1800" spc="-1" strike="noStrike">
+                <a:solidFill>
+                  <a:srgbClr val="000000"/>
+                </a:solidFill>
+                <a:latin typeface="Arial"/>
+              </a:rPr>
+              <a:t>Седьмой уровень структуры</a:t>
+            </a:r>
+            <a:endParaRPr b="0" lang="ru-RU" sz="1800" spc="-1" strike="noStrike">
+              <a:solidFill>
+                <a:srgbClr val="000000"/>
+              </a:solidFill>
+              <a:latin typeface="Arial"/>
+            </a:endParaRPr>
+          </a:p>
+        </p:txBody>
+      </p:sp>
+      <p:sp>
+        <p:nvSpPr>
+          <p:cNvPr id="3" name="PlaceHolder 4"/>
+          <p:cNvSpPr>
+            <a:spLocks noGrp="1"/>
+          </p:cNvSpPr>
+          <p:nvPr>
+            <p:ph type="body"/>
+          </p:nvPr>
+        </p:nvSpPr>
+        <p:spPr>
+          <a:xfrm>
+            <a:off x="311760" y="2936880"/>
+            <a:ext cx="3999240" cy="1629000"/>
+          </a:xfrm>
+          <a:prstGeom prst="rect">
+            <a:avLst/>
+          </a:prstGeom>
+          <a:noFill/>
+          <a:ln w="0">
+            <a:noFill/>
+          </a:ln>
+        </p:spPr>
+        <p:txBody>
+          <a:bodyPr lIns="0" rIns="0" tIns="0" bIns="0" anchor="t">
+            <a:normAutofit fontScale="50000" lnSpcReduction="10000"/>
+          </a:bodyPr>
+          <a:p>
+            <a:pPr marL="432000" indent="-324000">
+              <a:spcBef>
+                <a:spcPts val="1417"/>
+              </a:spcBef>
+              <a:buClr>
+                <a:srgbClr val="000000"/>
+              </a:buClr>
+              <a:buSzPct val="45000"/>
+              <a:buFont typeface="Wingdings" charset="2"/>
+              <a:buChar char=""/>
+            </a:pPr>
+            <a:r>
+              <a:rPr b="0" lang="ru-RU" sz="1800" spc="-1" strike="noStrike">
+                <a:solidFill>
+                  <a:srgbClr val="000000"/>
+                </a:solidFill>
+                <a:latin typeface="Arial"/>
+              </a:rPr>
+              <a:t>Для правки структуры щёлкните мышью</a:t>
+            </a:r>
+            <a:endParaRPr b="0" lang="ru-RU" sz="1800" spc="-1" strike="noStrike">
+              <a:solidFill>
+                <a:srgbClr val="000000"/>
+              </a:solidFill>
+              <a:latin typeface="Arial"/>
+            </a:endParaRPr>
+          </a:p>
+          <a:p>
+            <a:pPr lvl="1" marL="864000" indent="-324000">
+              <a:spcBef>
+                <a:spcPts val="1134"/>
+              </a:spcBef>
+              <a:buClr>
+                <a:srgbClr val="000000"/>
+              </a:buClr>
+              <a:buSzPct val="75000"/>
+              <a:buFont typeface="Symbol" charset="2"/>
+              <a:buChar char=""/>
+            </a:pPr>
+            <a:r>
+              <a:rPr b="0" lang="ru-RU" sz="1800" spc="-1" strike="noStrike">
+                <a:solidFill>
+                  <a:srgbClr val="000000"/>
+                </a:solidFill>
+                <a:latin typeface="Arial"/>
+              </a:rPr>
+              <a:t>Второй уровень структуры</a:t>
+            </a:r>
+            <a:endParaRPr b="0" lang="ru-RU" sz="1800" spc="-1" strike="noStrike">
+              <a:solidFill>
+                <a:srgbClr val="000000"/>
+              </a:solidFill>
+              <a:latin typeface="Arial"/>
+            </a:endParaRPr>
+          </a:p>
+          <a:p>
+            <a:pPr lvl="2" marL="1296000" indent="-288000">
+              <a:spcBef>
+                <a:spcPts val="850"/>
+              </a:spcBef>
+              <a:buClr>
+                <a:srgbClr val="000000"/>
+              </a:buClr>
+              <a:buSzPct val="45000"/>
+              <a:buFont typeface="Wingdings" charset="2"/>
+              <a:buChar char=""/>
+            </a:pPr>
+            <a:r>
+              <a:rPr b="0" lang="ru-RU" sz="1800" spc="-1" strike="noStrike">
+                <a:solidFill>
+                  <a:srgbClr val="000000"/>
+                </a:solidFill>
+                <a:latin typeface="Arial"/>
+              </a:rPr>
+              <a:t>Третий уровень структуры</a:t>
+            </a:r>
+            <a:endParaRPr b="0" lang="ru-RU" sz="1800" spc="-1" strike="noStrike">
+              <a:solidFill>
+                <a:srgbClr val="000000"/>
+              </a:solidFill>
+              <a:latin typeface="Arial"/>
+            </a:endParaRPr>
+          </a:p>
+          <a:p>
+            <a:pPr lvl="3" marL="1728000" indent="-216000">
+              <a:spcBef>
+                <a:spcPts val="567"/>
+              </a:spcBef>
+              <a:buClr>
+                <a:srgbClr val="000000"/>
+              </a:buClr>
+              <a:buSzPct val="75000"/>
+              <a:buFont typeface="Symbol" charset="2"/>
+              <a:buChar char=""/>
+            </a:pPr>
+            <a:r>
+              <a:rPr b="0" lang="ru-RU" sz="1800" spc="-1" strike="noStrike">
+                <a:solidFill>
+                  <a:srgbClr val="000000"/>
+                </a:solidFill>
+                <a:latin typeface="Arial"/>
+              </a:rPr>
+              <a:t>Четвёртый уровень структуры</a:t>
+            </a:r>
+            <a:endParaRPr b="0" lang="ru-RU" sz="1800" spc="-1" strike="noStrike">
+              <a:solidFill>
+                <a:srgbClr val="000000"/>
+              </a:solidFill>
+              <a:latin typeface="Arial"/>
+            </a:endParaRPr>
+          </a:p>
+          <a:p>
+            <a:pPr lvl="4" marL="2160000" indent="-216000">
+              <a:spcBef>
+                <a:spcPts val="283"/>
+              </a:spcBef>
+              <a:buClr>
+                <a:srgbClr val="000000"/>
+              </a:buClr>
+              <a:buSzPct val="45000"/>
+              <a:buFont typeface="Wingdings" charset="2"/>
+              <a:buChar char=""/>
+            </a:pPr>
+            <a:r>
+              <a:rPr b="0" lang="ru-RU" sz="1800" spc="-1" strike="noStrike">
+                <a:solidFill>
+                  <a:srgbClr val="000000"/>
+                </a:solidFill>
+                <a:latin typeface="Arial"/>
+              </a:rPr>
+              <a:t>Пятый уровень структуры</a:t>
+            </a:r>
+            <a:endParaRPr b="0" lang="ru-RU" sz="1800" spc="-1" strike="noStrike">
+              <a:solidFill>
+                <a:srgbClr val="000000"/>
+              </a:solidFill>
+              <a:latin typeface="Arial"/>
+            </a:endParaRPr>
+          </a:p>
+          <a:p>
+            <a:pPr lvl="5" marL="2592000" indent="-216000">
+              <a:spcBef>
+                <a:spcPts val="283"/>
+              </a:spcBef>
+              <a:buClr>
+                <a:srgbClr val="000000"/>
+              </a:buClr>
+              <a:buSzPct val="45000"/>
+              <a:buFont typeface="Wingdings" charset="2"/>
+              <a:buChar char=""/>
+            </a:pPr>
+            <a:r>
+              <a:rPr b="0" lang="ru-RU" sz="1800" spc="-1" strike="noStrike">
+                <a:solidFill>
+                  <a:srgbClr val="000000"/>
+                </a:solidFill>
+                <a:latin typeface="Arial"/>
+              </a:rPr>
+              <a:t>Шестой уровень структуры</a:t>
+            </a:r>
+            <a:endParaRPr b="0" lang="ru-RU" sz="1800" spc="-1" strike="noStrike">
+              <a:solidFill>
+                <a:srgbClr val="000000"/>
+              </a:solidFill>
+              <a:latin typeface="Arial"/>
+            </a:endParaRPr>
+          </a:p>
+          <a:p>
+            <a:pPr lvl="6" marL="3024000" indent="-216000">
+              <a:spcBef>
+                <a:spcPts val="283"/>
+              </a:spcBef>
+              <a:buClr>
+                <a:srgbClr val="000000"/>
+              </a:buClr>
+              <a:buSzPct val="45000"/>
+              <a:buFont typeface="Wingdings" charset="2"/>
+              <a:buChar char=""/>
+            </a:pPr>
+            <a:r>
+              <a:rPr b="0" lang="ru-RU" sz="1800" spc="-1" strike="noStrike">
+                <a:solidFill>
+                  <a:srgbClr val="000000"/>
+                </a:solidFill>
+                <a:latin typeface="Arial"/>
+              </a:rPr>
+              <a:t>Седьмой уровень структуры</a:t>
+            </a:r>
+            <a:endParaRPr b="0" lang="ru-RU" sz="1800" spc="-1" strike="noStrike">
+              <a:solidFill>
+                <a:srgbClr val="000000"/>
+              </a:solidFill>
+              <a:latin typeface="Arial"/>
+            </a:endParaRPr>
+          </a:p>
+        </p:txBody>
+      </p:sp>
+      <p:sp>
+        <p:nvSpPr>
+          <p:cNvPr id="4" name="PlaceHolder 5"/>
+          <p:cNvSpPr>
+            <a:spLocks noGrp="1"/>
+          </p:cNvSpPr>
+          <p:nvPr>
             <p:ph type="sldNum" idx="1"/>
           </p:nvPr>
         </p:nvSpPr>
         <p:spPr>
           <a:xfrm>
             <a:off x="8472600" y="4663080"/>
-            <a:ext cx="548280" cy="393120"/>
+            <a:ext cx="547920" cy="392760"/>
           </a:xfrm>
           <a:prstGeom prst="rect">
             <a:avLst/>
@@ -2136,7 +2811,7 @@
         </p:spPr>
         <p:txBody>
           <a:bodyPr lIns="91440" rIns="91440" tIns="91440" bIns="91440" anchor="ctr">
-            <a:normAutofit/>
+            <a:noAutofit/>
           </a:bodyPr>
           <a:lstStyle>
             <a:lvl1pPr indent="0" algn="r">
@@ -2166,7 +2841,7 @@
                 <a:tab algn="l" pos="0"/>
               </a:tabLst>
             </a:pPr>
-            <a:fld id="{4024B842-4A41-491B-8BE3-6287A9BA7EC9}" type="slidenum">
+            <a:fld id="{9E08C8DC-9F91-428F-A4FF-7B39BAC5C861}" type="slidenum">
               <a:rPr b="0" lang="en" sz="1000" spc="-1" strike="noStrike">
                 <a:solidFill>
                   <a:schemeClr val="dk2"/>
@@ -2181,231 +2856,6 @@
                 <a:srgbClr val="000000"/>
               </a:solidFill>
               <a:latin typeface="Times New Roman"/>
-            </a:endParaRPr>
-          </a:p>
-        </p:txBody>
-      </p:sp>
-      <p:sp>
-        <p:nvSpPr>
-          <p:cNvPr id="2" name="PlaceHolder 3"/>
-          <p:cNvSpPr>
-            <a:spLocks noGrp="1"/>
-          </p:cNvSpPr>
-          <p:nvPr>
-            <p:ph type="body"/>
-          </p:nvPr>
-        </p:nvSpPr>
-        <p:spPr>
-          <a:xfrm>
-            <a:off x="457200" y="1203480"/>
-            <a:ext cx="8229240" cy="2982960"/>
-          </a:xfrm>
-          <a:prstGeom prst="rect">
-            <a:avLst/>
-          </a:prstGeom>
-          <a:noFill/>
-          <a:ln w="0">
-            <a:noFill/>
-          </a:ln>
-        </p:spPr>
-        <p:txBody>
-          <a:bodyPr lIns="0" rIns="0" tIns="0" bIns="0" anchor="t">
-            <a:normAutofit/>
-          </a:bodyPr>
-          <a:p>
-            <a:pPr marL="432000" indent="-324000">
-              <a:spcBef>
-                <a:spcPts val="1417"/>
-              </a:spcBef>
-              <a:buClr>
-                <a:srgbClr val="000000"/>
-              </a:buClr>
-              <a:buSzPct val="45000"/>
-              <a:buFont typeface="Wingdings" charset="2"/>
-              <a:buChar char=""/>
-            </a:pPr>
-            <a:r>
-              <a:rPr b="0" lang="ru-RU" sz="1400" spc="-1" strike="noStrike">
-                <a:solidFill>
-                  <a:srgbClr val="000000"/>
-                </a:solidFill>
-                <a:latin typeface="Arial"/>
-              </a:rPr>
-              <a:t>Для правки структуры щёлкните мышью</a:t>
-            </a:r>
-            <a:endParaRPr b="0" lang="ru-RU" sz="1400" spc="-1" strike="noStrike">
-              <a:solidFill>
-                <a:srgbClr val="000000"/>
-              </a:solidFill>
-              <a:latin typeface="Arial"/>
-            </a:endParaRPr>
-          </a:p>
-          <a:p>
-            <a:pPr lvl="1" marL="864000" indent="-324000">
-              <a:spcBef>
-                <a:spcPts val="1134"/>
-              </a:spcBef>
-              <a:buClr>
-                <a:srgbClr val="000000"/>
-              </a:buClr>
-              <a:buSzPct val="75000"/>
-              <a:buFont typeface="Symbol" charset="2"/>
-              <a:buChar char=""/>
-            </a:pPr>
-            <a:r>
-              <a:rPr b="0" lang="ru-RU" sz="1400" spc="-1" strike="noStrike">
-                <a:solidFill>
-                  <a:srgbClr val="000000"/>
-                </a:solidFill>
-                <a:latin typeface="Arial"/>
-              </a:rPr>
-              <a:t>Второй уровень структуры</a:t>
-            </a:r>
-            <a:endParaRPr b="0" lang="ru-RU" sz="1400" spc="-1" strike="noStrike">
-              <a:solidFill>
-                <a:srgbClr val="000000"/>
-              </a:solidFill>
-              <a:latin typeface="Arial"/>
-            </a:endParaRPr>
-          </a:p>
-          <a:p>
-            <a:pPr lvl="2" marL="1296000" indent="-288000">
-              <a:spcBef>
-                <a:spcPts val="850"/>
-              </a:spcBef>
-              <a:buClr>
-                <a:srgbClr val="000000"/>
-              </a:buClr>
-              <a:buSzPct val="45000"/>
-              <a:buFont typeface="Wingdings" charset="2"/>
-              <a:buChar char=""/>
-            </a:pPr>
-            <a:r>
-              <a:rPr b="0" lang="ru-RU" sz="1400" spc="-1" strike="noStrike">
-                <a:solidFill>
-                  <a:srgbClr val="000000"/>
-                </a:solidFill>
-                <a:latin typeface="Arial"/>
-              </a:rPr>
-              <a:t>Третий уровень структуры</a:t>
-            </a:r>
-            <a:endParaRPr b="0" lang="ru-RU" sz="1400" spc="-1" strike="noStrike">
-              <a:solidFill>
-                <a:srgbClr val="000000"/>
-              </a:solidFill>
-              <a:latin typeface="Arial"/>
-            </a:endParaRPr>
-          </a:p>
-          <a:p>
-            <a:pPr lvl="3" marL="1728000" indent="-216000">
-              <a:spcBef>
-                <a:spcPts val="567"/>
-              </a:spcBef>
-              <a:buClr>
-                <a:srgbClr val="000000"/>
-              </a:buClr>
-              <a:buSzPct val="75000"/>
-              <a:buFont typeface="Symbol" charset="2"/>
-              <a:buChar char=""/>
-            </a:pPr>
-            <a:r>
-              <a:rPr b="0" lang="ru-RU" sz="1400" spc="-1" strike="noStrike">
-                <a:solidFill>
-                  <a:srgbClr val="000000"/>
-                </a:solidFill>
-                <a:latin typeface="Arial"/>
-              </a:rPr>
-              <a:t>Четвёртый уровень структуры</a:t>
-            </a:r>
-            <a:endParaRPr b="0" lang="ru-RU" sz="1400" spc="-1" strike="noStrike">
-              <a:solidFill>
-                <a:srgbClr val="000000"/>
-              </a:solidFill>
-              <a:latin typeface="Arial"/>
-            </a:endParaRPr>
-          </a:p>
-          <a:p>
-            <a:pPr lvl="4" marL="2160000" indent="-216000">
-              <a:spcBef>
-                <a:spcPts val="283"/>
-              </a:spcBef>
-              <a:buClr>
-                <a:srgbClr val="000000"/>
-              </a:buClr>
-              <a:buSzPct val="45000"/>
-              <a:buFont typeface="Wingdings" charset="2"/>
-              <a:buChar char=""/>
-            </a:pPr>
-            <a:r>
-              <a:rPr b="0" lang="ru-RU" sz="2000" spc="-1" strike="noStrike">
-                <a:solidFill>
-                  <a:srgbClr val="000000"/>
-                </a:solidFill>
-                <a:latin typeface="Arial"/>
-              </a:rPr>
-              <a:t>Пятый уровень структуры</a:t>
-            </a:r>
-            <a:endParaRPr b="0" lang="ru-RU" sz="2000" spc="-1" strike="noStrike">
-              <a:solidFill>
-                <a:srgbClr val="000000"/>
-              </a:solidFill>
-              <a:latin typeface="Arial"/>
-            </a:endParaRPr>
-          </a:p>
-          <a:p>
-            <a:pPr lvl="5" marL="2592000" indent="-216000">
-              <a:spcBef>
-                <a:spcPts val="283"/>
-              </a:spcBef>
-              <a:buClr>
-                <a:srgbClr val="000000"/>
-              </a:buClr>
-              <a:buSzPct val="45000"/>
-              <a:buFont typeface="Wingdings" charset="2"/>
-              <a:buChar char=""/>
-            </a:pPr>
-            <a:r>
-              <a:rPr b="0" lang="ru-RU" sz="2000" spc="-1" strike="noStrike">
-                <a:solidFill>
-                  <a:srgbClr val="000000"/>
-                </a:solidFill>
-                <a:latin typeface="Arial"/>
-              </a:rPr>
-              <a:t>Шестой уровень структуры</a:t>
-            </a:r>
-            <a:endParaRPr b="0" lang="ru-RU" sz="2000" spc="-1" strike="noStrike">
-              <a:solidFill>
-                <a:srgbClr val="000000"/>
-              </a:solidFill>
-              <a:latin typeface="Arial"/>
-            </a:endParaRPr>
-          </a:p>
-          <a:p>
-            <a:pPr lvl="6" marL="3024000" indent="-216000">
-              <a:spcBef>
-                <a:spcPts val="283"/>
-              </a:spcBef>
-              <a:buClr>
-                <a:srgbClr val="000000"/>
-              </a:buClr>
-              <a:buSzPct val="45000"/>
-              <a:buFont typeface="Wingdings" charset="2"/>
-              <a:buChar char=""/>
-            </a:pPr>
-            <a:r>
-              <a:rPr b="0" lang="ru-RU" sz="2000" spc="-1" strike="noStrike">
-                <a:solidFill>
-                  <a:srgbClr val="000000"/>
-                </a:solidFill>
-                <a:latin typeface="Arial"/>
-              </a:rPr>
-              <a:t>Седьмой уровень структуры</a:t>
-            </a:r>
-            <a:endParaRPr b="0" lang="ru-RU" sz="2000" spc="-1" strike="noStrike">
-              <a:solidFill>
-                <a:srgbClr val="000000"/>
-              </a:solidFill>
-              <a:latin typeface="Arial"/>
             </a:endParaRPr>
           </a:p>
         </p:txBody>
@@ -2449,7 +2899,7 @@
       </p:grpSpPr>
       <p:sp>
         <p:nvSpPr>
-          <p:cNvPr id="39" name="PlaceHolder 1"/>
+          <p:cNvPr id="41" name="PlaceHolder 1"/>
           <p:cNvSpPr>
             <a:spLocks noGrp="1"/>
           </p:cNvSpPr>
@@ -2460,7 +2910,7 @@
         <p:spPr>
           <a:xfrm>
             <a:off x="311760" y="1963800"/>
-            <a:ext cx="8520120" cy="2052360"/>
+            <a:ext cx="8519760" cy="2052000"/>
           </a:xfrm>
           <a:prstGeom prst="rect">
             <a:avLst/>
@@ -2505,7 +2955,7 @@
       </p:sp>
       <p:sp>
         <p:nvSpPr>
-          <p:cNvPr id="40" name="PlaceHolder 2"/>
+          <p:cNvPr id="42" name="PlaceHolder 2"/>
           <p:cNvSpPr>
             <a:spLocks noGrp="1"/>
           </p:cNvSpPr>
@@ -2516,7 +2966,7 @@
         <p:spPr>
           <a:xfrm>
             <a:off x="311760" y="4016520"/>
-            <a:ext cx="8520120" cy="792360"/>
+            <a:ext cx="8519760" cy="792000"/>
           </a:xfrm>
           <a:prstGeom prst="rect">
             <a:avLst/>
@@ -2551,6 +3001,83 @@
               <a:t>Шитов Роман</a:t>
             </a:r>
             <a:endParaRPr b="0" lang="ru-RU" sz="2800" spc="-1" strike="noStrike">
+              <a:solidFill>
+                <a:srgbClr val="000000"/>
+              </a:solidFill>
+              <a:latin typeface="Arial"/>
+            </a:endParaRPr>
+          </a:p>
+        </p:txBody>
+      </p:sp>
+      <p:sp>
+        <p:nvSpPr>
+          <p:cNvPr id="43" name="PlaceHolder 8"/>
+          <p:cNvSpPr txBox="1"/>
+          <p:nvPr/>
+        </p:nvSpPr>
+        <p:spPr>
+          <a:xfrm>
+            <a:off x="347760" y="4428000"/>
+            <a:ext cx="8519760" cy="792000"/>
+          </a:xfrm>
+          <a:prstGeom prst="rect">
+            <a:avLst/>
+          </a:prstGeom>
+          <a:noFill/>
+          <a:ln w="0">
+            <a:noFill/>
+          </a:ln>
+        </p:spPr>
+        <p:txBody>
+          <a:bodyPr tIns="91440" bIns="91440" anchor="t">
+            <a:normAutofit/>
+          </a:bodyPr>
+          <a:p>
+            <a:pPr>
+              <a:lnSpc>
+                <a:spcPct val="100000"/>
+              </a:lnSpc>
+              <a:tabLst>
+                <a:tab algn="l" pos="0"/>
+              </a:tabLst>
+            </a:pPr>
+            <a:r>
+              <a:rPr b="0" lang="en" sz="1400" spc="-1" strike="noStrike">
+                <a:solidFill>
+                  <a:schemeClr val="dk2"/>
+                </a:solidFill>
+                <a:latin typeface="Arial"/>
+                <a:ea typeface="Arial"/>
+              </a:rPr>
+              <a:t>Ученик 10 класса ГБОУ Цифровая школа</a:t>
+            </a:r>
+            <a:endParaRPr b="0" lang="ru-RU" sz="1400" spc="-1" strike="noStrike">
+              <a:solidFill>
+                <a:srgbClr val="000000"/>
+              </a:solidFill>
+              <a:latin typeface="Arial"/>
+            </a:endParaRPr>
+          </a:p>
+          <a:p>
+            <a:pPr>
+              <a:lnSpc>
+                <a:spcPct val="100000"/>
+              </a:lnSpc>
+              <a:tabLst>
+                <a:tab algn="l" pos="0"/>
+              </a:tabLst>
+            </a:pPr>
+            <a:r>
+              <a:rPr b="0" lang="en" sz="1400" spc="-1" strike="noStrike">
+                <a:solidFill>
+                  <a:schemeClr val="dk2"/>
+                </a:solidFill>
+                <a:latin typeface="Arial"/>
+                <a:ea typeface="Arial"/>
+              </a:rPr>
+              <a:t>Науч. Рук. Обозненко А.М.</a:t>
+            </a:r>
+            <a:endParaRPr b="0" lang="ru-RU" sz="1400" spc="-1" strike="noStrike">
               <a:solidFill>
                 <a:srgbClr val="000000"/>
               </a:solidFill>
@@ -2591,7 +3118,7 @@
       </p:grpSpPr>
       <p:sp>
         <p:nvSpPr>
-          <p:cNvPr id="78" name="PlaceHolder 1"/>
+          <p:cNvPr id="81" name="PlaceHolder 1"/>
           <p:cNvSpPr>
             <a:spLocks noGrp="1"/>
           </p:cNvSpPr>
@@ -2602,7 +3129,7 @@
         <p:spPr>
           <a:xfrm>
             <a:off x="311760" y="444960"/>
-            <a:ext cx="8520120" cy="572400"/>
+            <a:ext cx="8519760" cy="572040"/>
           </a:xfrm>
           <a:prstGeom prst="rect">
             <a:avLst/>
@@ -2614,7 +3141,7 @@
         </p:spPr>
         <p:txBody>
           <a:bodyPr lIns="91440" rIns="91440" tIns="91440" bIns="91440" anchor="t">
-            <a:normAutofit fontScale="93550"/>
+            <a:normAutofit fontScale="93333"/>
           </a:bodyPr>
           <a:p>
             <a:pPr indent="0">
@@ -2647,7 +3174,7 @@
       </p:sp>
       <p:sp>
         <p:nvSpPr>
-          <p:cNvPr id="79" name="PlaceHolder 2"/>
+          <p:cNvPr id="82" name="PlaceHolder 2"/>
           <p:cNvSpPr>
             <a:spLocks noGrp="1"/>
           </p:cNvSpPr>
@@ -2658,7 +3185,7 @@
         <p:spPr>
           <a:xfrm>
             <a:off x="311760" y="1152360"/>
-            <a:ext cx="4259880" cy="3416040"/>
+            <a:ext cx="4259520" cy="3415680"/>
           </a:xfrm>
           <a:prstGeom prst="rect">
             <a:avLst/>
@@ -2670,7 +3197,7 @@
         </p:spPr>
         <p:txBody>
           <a:bodyPr lIns="91440" rIns="91440" tIns="91440" bIns="91440" anchor="ctr">
-            <a:normAutofit fontScale="93550" lnSpcReduction="20000"/>
+            <a:normAutofit fontScale="93333" lnSpcReduction="20000"/>
           </a:bodyPr>
           <a:p>
             <a:pPr indent="0">
@@ -2729,7 +3256,7 @@
       </p:sp>
       <p:pic>
         <p:nvPicPr>
-          <p:cNvPr id="80" name="Google Shape;131;p22" descr=""/>
+          <p:cNvPr id="83" name="Google Shape;131;p22" descr=""/>
           <p:cNvPicPr/>
           <p:nvPr/>
         </p:nvPicPr>
@@ -2740,7 +3267,7 @@
         <p:spPr>
           <a:xfrm>
             <a:off x="4724280" y="1308600"/>
-            <a:ext cx="4266720" cy="2408040"/>
+            <a:ext cx="4266360" cy="2407680"/>
           </a:xfrm>
           <a:prstGeom prst="rect">
             <a:avLst/>
@@ -2782,7 +3309,7 @@
       </p:grpSpPr>
       <p:sp>
         <p:nvSpPr>
-          <p:cNvPr id="81" name="PlaceHolder 1"/>
+          <p:cNvPr id="84" name="PlaceHolder 1"/>
           <p:cNvSpPr>
             <a:spLocks noGrp="1"/>
           </p:cNvSpPr>
@@ -2793,7 +3320,7 @@
         <p:spPr>
           <a:xfrm>
             <a:off x="311760" y="444960"/>
-            <a:ext cx="8520120" cy="572400"/>
+            <a:ext cx="8519760" cy="572040"/>
           </a:xfrm>
           <a:prstGeom prst="rect">
             <a:avLst/>
@@ -2805,7 +3332,7 @@
         </p:spPr>
         <p:txBody>
           <a:bodyPr lIns="91440" rIns="91440" tIns="91440" bIns="91440" anchor="t">
-            <a:normAutofit fontScale="93550"/>
+            <a:normAutofit fontScale="93333"/>
           </a:bodyPr>
           <a:p>
             <a:pPr indent="0">
@@ -2838,7 +3365,7 @@
       </p:sp>
       <p:sp>
         <p:nvSpPr>
-          <p:cNvPr id="82" name="PlaceHolder 2"/>
+          <p:cNvPr id="85" name="PlaceHolder 2"/>
           <p:cNvSpPr>
             <a:spLocks noGrp="1"/>
           </p:cNvSpPr>
@@ -2849,7 +3376,7 @@
         <p:spPr>
           <a:xfrm>
             <a:off x="311760" y="1152360"/>
-            <a:ext cx="3999600" cy="3416040"/>
+            <a:ext cx="3999240" cy="3415680"/>
           </a:xfrm>
           <a:prstGeom prst="rect">
             <a:avLst/>
@@ -2927,7 +3454,7 @@
       </p:sp>
       <p:pic>
         <p:nvPicPr>
-          <p:cNvPr id="83" name="Google Shape;138;p23" descr=""/>
+          <p:cNvPr id="86" name="Google Shape;138;p23" descr=""/>
           <p:cNvPicPr/>
           <p:nvPr/>
         </p:nvPicPr>
@@ -2938,7 +3465,7 @@
         <p:spPr>
           <a:xfrm>
             <a:off x="5705640" y="1404720"/>
-            <a:ext cx="2638080" cy="2638080"/>
+            <a:ext cx="2637720" cy="2637720"/>
           </a:xfrm>
           <a:prstGeom prst="rect">
             <a:avLst/>
@@ -2980,7 +3507,7 @@
       </p:grpSpPr>
       <p:sp>
         <p:nvSpPr>
-          <p:cNvPr id="84" name="PlaceHolder 1"/>
+          <p:cNvPr id="87" name="PlaceHolder 1"/>
           <p:cNvSpPr>
             <a:spLocks noGrp="1"/>
           </p:cNvSpPr>
@@ -2991,7 +3518,7 @@
         <p:spPr>
           <a:xfrm>
             <a:off x="311760" y="444960"/>
-            <a:ext cx="8520120" cy="572400"/>
+            <a:ext cx="8519760" cy="572040"/>
           </a:xfrm>
           <a:prstGeom prst="rect">
             <a:avLst/>
@@ -3003,7 +3530,7 @@
         </p:spPr>
         <p:txBody>
           <a:bodyPr lIns="91440" rIns="91440" tIns="91440" bIns="91440" anchor="t">
-            <a:normAutofit fontScale="93550"/>
+            <a:normAutofit fontScale="93333"/>
           </a:bodyPr>
           <a:p>
             <a:pPr indent="0">
@@ -3036,7 +3563,7 @@
       </p:sp>
       <p:sp>
         <p:nvSpPr>
-          <p:cNvPr id="85" name="PlaceHolder 2"/>
+          <p:cNvPr id="88" name="PlaceHolder 2"/>
           <p:cNvSpPr>
             <a:spLocks noGrp="1"/>
           </p:cNvSpPr>
@@ -3047,7 +3574,7 @@
         <p:spPr>
           <a:xfrm>
             <a:off x="311760" y="1152360"/>
-            <a:ext cx="8520120" cy="3416040"/>
+            <a:ext cx="8519760" cy="3415680"/>
           </a:xfrm>
           <a:prstGeom prst="rect">
             <a:avLst/>
@@ -3128,7 +3655,7 @@
       </p:grpSpPr>
       <p:sp>
         <p:nvSpPr>
-          <p:cNvPr id="86" name="PlaceHolder 1"/>
+          <p:cNvPr id="89" name="PlaceHolder 1"/>
           <p:cNvSpPr>
             <a:spLocks noGrp="1"/>
           </p:cNvSpPr>
@@ -3139,7 +3666,7 @@
         <p:spPr>
           <a:xfrm>
             <a:off x="908640" y="2854800"/>
-            <a:ext cx="1830960" cy="395640"/>
+            <a:ext cx="1830600" cy="395280"/>
           </a:xfrm>
           <a:prstGeom prst="rect">
             <a:avLst/>
@@ -3151,7 +3678,7 @@
         </p:spPr>
         <p:txBody>
           <a:bodyPr lIns="91440" rIns="91440" tIns="91440" bIns="91440" anchor="t">
-            <a:normAutofit fontScale="93550"/>
+            <a:normAutofit fontScale="93333"/>
           </a:bodyPr>
           <a:p>
             <a:pPr indent="0" algn="ctr">
@@ -3187,7 +3714,7 @@
       </p:sp>
       <p:pic>
         <p:nvPicPr>
-          <p:cNvPr id="87" name="Google Shape;150;p25" descr=""/>
+          <p:cNvPr id="90" name="Google Shape;150;p25" descr=""/>
           <p:cNvPicPr/>
           <p:nvPr/>
         </p:nvPicPr>
@@ -3198,7 +3725,7 @@
         <p:spPr>
           <a:xfrm>
             <a:off x="5941800" y="1680120"/>
-            <a:ext cx="2745720" cy="2745720"/>
+            <a:ext cx="2745360" cy="2745360"/>
           </a:xfrm>
           <a:prstGeom prst="rect">
             <a:avLst/>
@@ -3210,7 +3737,7 @@
       </p:pic>
       <p:sp>
         <p:nvSpPr>
-          <p:cNvPr id="88" name="PlaceHolder 2"/>
+          <p:cNvPr id="91" name="PlaceHolder 2"/>
           <p:cNvSpPr>
             <a:spLocks noGrp="1"/>
           </p:cNvSpPr>
@@ -3221,7 +3748,7 @@
         <p:spPr>
           <a:xfrm>
             <a:off x="6399360" y="469440"/>
-            <a:ext cx="1830960" cy="395640"/>
+            <a:ext cx="1830600" cy="395280"/>
           </a:xfrm>
           <a:prstGeom prst="rect">
             <a:avLst/>
@@ -3233,7 +3760,7 @@
         </p:spPr>
         <p:txBody>
           <a:bodyPr lIns="91440" rIns="91440" tIns="91440" bIns="91440" anchor="t">
-            <a:normAutofit fontScale="93550"/>
+            <a:normAutofit fontScale="93333"/>
           </a:bodyPr>
           <a:p>
             <a:pPr indent="0" algn="ctr">
@@ -3299,7 +3826,7 @@
       </p:grpSpPr>
       <p:sp>
         <p:nvSpPr>
-          <p:cNvPr id="41" name="PlaceHolder 1"/>
+          <p:cNvPr id="44" name="PlaceHolder 1"/>
           <p:cNvSpPr>
             <a:spLocks noGrp="1"/>
           </p:cNvSpPr>
@@ -3310,7 +3837,7 @@
         <p:spPr>
           <a:xfrm>
             <a:off x="311760" y="444960"/>
-            <a:ext cx="8520120" cy="572400"/>
+            <a:ext cx="8519760" cy="572040"/>
           </a:xfrm>
           <a:prstGeom prst="rect">
             <a:avLst/>
@@ -3322,7 +3849,7 @@
         </p:spPr>
         <p:txBody>
           <a:bodyPr lIns="91440" rIns="91440" tIns="91440" bIns="91440" anchor="t">
-            <a:normAutofit fontScale="93550"/>
+            <a:normAutofit fontScale="93333"/>
           </a:bodyPr>
           <a:p>
             <a:pPr indent="0">
@@ -3355,7 +3882,7 @@
       </p:sp>
       <p:sp>
         <p:nvSpPr>
-          <p:cNvPr id="42" name="PlaceHolder 2"/>
+          <p:cNvPr id="45" name="PlaceHolder 2"/>
           <p:cNvSpPr>
             <a:spLocks noGrp="1"/>
           </p:cNvSpPr>
@@ -3366,7 +3893,7 @@
         <p:spPr>
           <a:xfrm>
             <a:off x="311760" y="1152360"/>
-            <a:ext cx="8520120" cy="3416040"/>
+            <a:ext cx="8519760" cy="3415680"/>
           </a:xfrm>
           <a:prstGeom prst="rect">
             <a:avLst/>
@@ -3447,7 +3974,7 @@
       </p:grpSpPr>
       <p:sp>
         <p:nvSpPr>
-          <p:cNvPr id="43" name="PlaceHolder 1"/>
+          <p:cNvPr id="46" name="PlaceHolder 1"/>
           <p:cNvSpPr>
             <a:spLocks noGrp="1"/>
           </p:cNvSpPr>
@@ -3458,7 +3985,7 @@
         <p:spPr>
           <a:xfrm>
             <a:off x="311760" y="444960"/>
-            <a:ext cx="8520120" cy="572400"/>
+            <a:ext cx="8519760" cy="572040"/>
           </a:xfrm>
           <a:prstGeom prst="rect">
             <a:avLst/>
@@ -3470,7 +3997,7 @@
         </p:spPr>
         <p:txBody>
           <a:bodyPr lIns="91440" rIns="91440" tIns="91440" bIns="91440" anchor="t">
-            <a:normAutofit fontScale="93550"/>
+            <a:normAutofit fontScale="93333"/>
           </a:bodyPr>
           <a:p>
             <a:pPr indent="0">
@@ -3503,7 +4030,7 @@
       </p:sp>
       <p:sp>
         <p:nvSpPr>
-          <p:cNvPr id="44" name="PlaceHolder 2"/>
+          <p:cNvPr id="47" name="PlaceHolder 2"/>
           <p:cNvSpPr>
             <a:spLocks noGrp="1"/>
           </p:cNvSpPr>
@@ -3514,7 +4041,7 @@
         <p:spPr>
           <a:xfrm>
             <a:off x="311760" y="1152360"/>
-            <a:ext cx="8520120" cy="3416040"/>
+            <a:ext cx="8519760" cy="3415680"/>
           </a:xfrm>
           <a:prstGeom prst="rect">
             <a:avLst/>
@@ -3595,7 +4122,7 @@
       </p:grpSpPr>
       <p:sp>
         <p:nvSpPr>
-          <p:cNvPr id="45" name="PlaceHolder 1"/>
+          <p:cNvPr id="48" name="PlaceHolder 1"/>
           <p:cNvSpPr>
             <a:spLocks noGrp="1"/>
           </p:cNvSpPr>
@@ -3606,7 +4133,7 @@
         <p:spPr>
           <a:xfrm>
             <a:off x="311760" y="292680"/>
-            <a:ext cx="8520120" cy="572400"/>
+            <a:ext cx="8519760" cy="572040"/>
           </a:xfrm>
           <a:prstGeom prst="rect">
             <a:avLst/>
@@ -3618,7 +4145,7 @@
         </p:spPr>
         <p:txBody>
           <a:bodyPr lIns="91440" rIns="91440" tIns="91440" bIns="91440" anchor="t">
-            <a:normAutofit fontScale="93550"/>
+            <a:normAutofit fontScale="93333"/>
           </a:bodyPr>
           <a:p>
             <a:pPr indent="0">
@@ -3651,7 +4178,7 @@
       </p:sp>
       <p:sp>
         <p:nvSpPr>
-          <p:cNvPr id="46" name="PlaceHolder 2"/>
+          <p:cNvPr id="49" name="PlaceHolder 2"/>
           <p:cNvSpPr>
             <a:spLocks noGrp="1"/>
           </p:cNvSpPr>
@@ -3662,7 +4189,7 @@
         <p:spPr>
           <a:xfrm>
             <a:off x="311760" y="1152360"/>
-            <a:ext cx="2571840" cy="1716120"/>
+            <a:ext cx="2571480" cy="1715760"/>
           </a:xfrm>
           <a:prstGeom prst="rect">
             <a:avLst/>
@@ -3773,7 +4300,7 @@
       </p:sp>
       <p:sp>
         <p:nvSpPr>
-          <p:cNvPr id="47" name="PlaceHolder 3"/>
+          <p:cNvPr id="50" name="PlaceHolder 3"/>
           <p:cNvSpPr>
             <a:spLocks noGrp="1"/>
           </p:cNvSpPr>
@@ -3784,7 +4311,7 @@
         <p:spPr>
           <a:xfrm>
             <a:off x="3286080" y="3003480"/>
-            <a:ext cx="2571840" cy="1564920"/>
+            <a:ext cx="2571480" cy="1564560"/>
           </a:xfrm>
           <a:prstGeom prst="rect">
             <a:avLst/>
@@ -3892,7 +4419,7 @@
       </p:sp>
       <p:sp>
         <p:nvSpPr>
-          <p:cNvPr id="48" name="PlaceHolder 4"/>
+          <p:cNvPr id="51" name="PlaceHolder 4"/>
           <p:cNvSpPr>
             <a:spLocks noGrp="1"/>
           </p:cNvSpPr>
@@ -3903,7 +4430,7 @@
         <p:spPr>
           <a:xfrm>
             <a:off x="3286080" y="1152360"/>
-            <a:ext cx="2571840" cy="1716120"/>
+            <a:ext cx="2571480" cy="1715760"/>
           </a:xfrm>
           <a:prstGeom prst="rect">
             <a:avLst/>
@@ -4011,7 +4538,7 @@
       </p:sp>
       <p:sp>
         <p:nvSpPr>
-          <p:cNvPr id="49" name="PlaceHolder 5"/>
+          <p:cNvPr id="52" name="PlaceHolder 5"/>
           <p:cNvSpPr>
             <a:spLocks noGrp="1"/>
           </p:cNvSpPr>
@@ -4022,7 +4549,7 @@
         <p:spPr>
           <a:xfrm>
             <a:off x="6260040" y="3003480"/>
-            <a:ext cx="2571840" cy="1564920"/>
+            <a:ext cx="2571480" cy="1564560"/>
           </a:xfrm>
           <a:prstGeom prst="rect">
             <a:avLst/>
@@ -4130,7 +4657,7 @@
       </p:sp>
       <p:sp>
         <p:nvSpPr>
-          <p:cNvPr id="50" name="PlaceHolder 6"/>
+          <p:cNvPr id="53" name="PlaceHolder 6"/>
           <p:cNvSpPr>
             <a:spLocks noGrp="1"/>
           </p:cNvSpPr>
@@ -4141,7 +4668,7 @@
         <p:spPr>
           <a:xfrm>
             <a:off x="311760" y="3003480"/>
-            <a:ext cx="2571840" cy="1564920"/>
+            <a:ext cx="2571480" cy="1564560"/>
           </a:xfrm>
           <a:prstGeom prst="rect">
             <a:avLst/>
@@ -4249,7 +4776,7 @@
       </p:sp>
       <p:sp>
         <p:nvSpPr>
-          <p:cNvPr id="51" name="PlaceHolder 7"/>
+          <p:cNvPr id="54" name="PlaceHolder 7"/>
           <p:cNvSpPr>
             <a:spLocks noGrp="1"/>
           </p:cNvSpPr>
@@ -4260,7 +4787,7 @@
         <p:spPr>
           <a:xfrm>
             <a:off x="6260040" y="1151640"/>
-            <a:ext cx="2571840" cy="1564920"/>
+            <a:ext cx="2571480" cy="1564560"/>
           </a:xfrm>
           <a:prstGeom prst="rect">
             <a:avLst/>
@@ -4398,7 +4925,7 @@
       </p:grpSpPr>
       <p:sp>
         <p:nvSpPr>
-          <p:cNvPr id="52" name="PlaceHolder 1"/>
+          <p:cNvPr id="55" name="PlaceHolder 1"/>
           <p:cNvSpPr>
             <a:spLocks noGrp="1"/>
           </p:cNvSpPr>
@@ -4409,7 +4936,7 @@
         <p:spPr>
           <a:xfrm>
             <a:off x="311760" y="444960"/>
-            <a:ext cx="8520120" cy="572400"/>
+            <a:ext cx="8519760" cy="572040"/>
           </a:xfrm>
           <a:prstGeom prst="rect">
             <a:avLst/>
@@ -4421,7 +4948,7 @@
         </p:spPr>
         <p:txBody>
           <a:bodyPr lIns="91440" rIns="91440" tIns="91440" bIns="91440" anchor="t">
-            <a:normAutofit fontScale="93550"/>
+            <a:normAutofit fontScale="93333"/>
           </a:bodyPr>
           <a:p>
             <a:pPr indent="0">
@@ -4454,7 +4981,7 @@
       </p:sp>
       <p:pic>
         <p:nvPicPr>
-          <p:cNvPr id="53" name="Google Shape;84;p17" descr=""/>
+          <p:cNvPr id="56" name="Google Shape;84;p17" descr=""/>
           <p:cNvPicPr/>
           <p:nvPr/>
         </p:nvPicPr>
@@ -4465,7 +4992,7 @@
         <p:spPr>
           <a:xfrm>
             <a:off x="228600" y="1398600"/>
-            <a:ext cx="4245480" cy="1611000"/>
+            <a:ext cx="4245120" cy="1610640"/>
           </a:xfrm>
           <a:prstGeom prst="rect">
             <a:avLst/>
@@ -4477,7 +5004,7 @@
       </p:pic>
       <p:pic>
         <p:nvPicPr>
-          <p:cNvPr id="54" name="Google Shape;85;p17" descr=""/>
+          <p:cNvPr id="57" name="Google Shape;85;p17" descr=""/>
           <p:cNvPicPr/>
           <p:nvPr/>
         </p:nvPicPr>
@@ -4488,7 +5015,7 @@
         <p:spPr>
           <a:xfrm>
             <a:off x="4648320" y="1779840"/>
-            <a:ext cx="4245480" cy="839880"/>
+            <a:ext cx="4245120" cy="839520"/>
           </a:xfrm>
           <a:prstGeom prst="rect">
             <a:avLst/>
@@ -4500,7 +5027,7 @@
       </p:pic>
       <p:pic>
         <p:nvPicPr>
-          <p:cNvPr id="55" name="Google Shape;86;p17" descr=""/>
+          <p:cNvPr id="58" name="Google Shape;86;p17" descr=""/>
           <p:cNvPicPr/>
           <p:nvPr/>
         </p:nvPicPr>
@@ -4511,7 +5038,7 @@
         <p:spPr>
           <a:xfrm>
             <a:off x="228600" y="3790080"/>
-            <a:ext cx="4245480" cy="646920"/>
+            <a:ext cx="4245120" cy="646560"/>
           </a:xfrm>
           <a:prstGeom prst="rect">
             <a:avLst/>
@@ -4523,7 +5050,7 @@
       </p:pic>
       <p:pic>
         <p:nvPicPr>
-          <p:cNvPr id="56" name="Google Shape;87;p17" descr=""/>
+          <p:cNvPr id="59" name="Google Shape;87;p17" descr=""/>
           <p:cNvPicPr/>
           <p:nvPr/>
         </p:nvPicPr>
@@ -4534,7 +5061,7 @@
         <p:spPr>
           <a:xfrm>
             <a:off x="228600" y="3162600"/>
-            <a:ext cx="4245480" cy="513360"/>
+            <a:ext cx="4245120" cy="513000"/>
           </a:xfrm>
           <a:prstGeom prst="rect">
             <a:avLst/>
@@ -4546,7 +5073,7 @@
       </p:pic>
       <p:pic>
         <p:nvPicPr>
-          <p:cNvPr id="57" name="Google Shape;88;p17" descr=""/>
+          <p:cNvPr id="60" name="Google Shape;88;p17" descr=""/>
           <p:cNvPicPr/>
           <p:nvPr/>
         </p:nvPicPr>
@@ -4557,7 +5084,7 @@
         <p:spPr>
           <a:xfrm>
             <a:off x="4648320" y="2711520"/>
-            <a:ext cx="4245480" cy="1383120"/>
+            <a:ext cx="4245120" cy="1382760"/>
           </a:xfrm>
           <a:prstGeom prst="rect">
             <a:avLst/>
@@ -4599,7 +5126,7 @@
       </p:grpSpPr>
       <p:sp>
         <p:nvSpPr>
-          <p:cNvPr id="58" name="PlaceHolder 1"/>
+          <p:cNvPr id="61" name="PlaceHolder 1"/>
           <p:cNvSpPr>
             <a:spLocks noGrp="1"/>
           </p:cNvSpPr>
@@ -4610,7 +5137,7 @@
         <p:spPr>
           <a:xfrm>
             <a:off x="311760" y="444960"/>
-            <a:ext cx="8520120" cy="572400"/>
+            <a:ext cx="8519760" cy="572040"/>
           </a:xfrm>
           <a:prstGeom prst="rect">
             <a:avLst/>
@@ -4622,7 +5149,7 @@
         </p:spPr>
         <p:txBody>
           <a:bodyPr lIns="91440" rIns="91440" tIns="91440" bIns="91440" anchor="t">
-            <a:normAutofit fontScale="93550"/>
+            <a:normAutofit fontScale="93333"/>
           </a:bodyPr>
           <a:p>
             <a:pPr indent="0">
@@ -4655,7 +5182,7 @@
       </p:sp>
       <p:pic>
         <p:nvPicPr>
-          <p:cNvPr id="59" name="Google Shape;94;p18" descr=""/>
+          <p:cNvPr id="62" name="Google Shape;94;p18" descr=""/>
           <p:cNvPicPr/>
           <p:nvPr/>
         </p:nvPicPr>
@@ -4666,7 +5193,7 @@
         <p:spPr>
           <a:xfrm>
             <a:off x="767880" y="1905840"/>
-            <a:ext cx="2794680" cy="1231920"/>
+            <a:ext cx="2794320" cy="1231560"/>
           </a:xfrm>
           <a:prstGeom prst="rect">
             <a:avLst/>
@@ -4678,7 +5205,7 @@
       </p:pic>
       <p:pic>
         <p:nvPicPr>
-          <p:cNvPr id="60" name="Google Shape;95;p18" descr=""/>
+          <p:cNvPr id="63" name="Google Shape;95;p18" descr=""/>
           <p:cNvPicPr/>
           <p:nvPr/>
         </p:nvPicPr>
@@ -4689,7 +5216,7 @@
         <p:spPr>
           <a:xfrm>
             <a:off x="6043320" y="1905840"/>
-            <a:ext cx="3028680" cy="1514160"/>
+            <a:ext cx="3028320" cy="1513800"/>
           </a:xfrm>
           <a:prstGeom prst="rect">
             <a:avLst/>
@@ -4701,7 +5228,7 @@
       </p:pic>
       <p:pic>
         <p:nvPicPr>
-          <p:cNvPr id="61" name="Google Shape;96;p18" descr=""/>
+          <p:cNvPr id="64" name="Google Shape;96;p18" descr=""/>
           <p:cNvPicPr/>
           <p:nvPr/>
         </p:nvPicPr>
@@ -4712,7 +5239,7 @@
         <p:spPr>
           <a:xfrm>
             <a:off x="4062960" y="444960"/>
-            <a:ext cx="2284560" cy="1231920"/>
+            <a:ext cx="2284200" cy="1231560"/>
           </a:xfrm>
           <a:prstGeom prst="rect">
             <a:avLst/>
@@ -4724,7 +5251,7 @@
       </p:pic>
       <p:pic>
         <p:nvPicPr>
-          <p:cNvPr id="62" name="Google Shape;97;p18" descr=""/>
+          <p:cNvPr id="65" name="Google Shape;97;p18" descr=""/>
           <p:cNvPicPr/>
           <p:nvPr/>
         </p:nvPicPr>
@@ -4735,7 +5262,7 @@
         <p:spPr>
           <a:xfrm>
             <a:off x="767880" y="3594960"/>
-            <a:ext cx="3017520" cy="875520"/>
+            <a:ext cx="3017160" cy="875160"/>
           </a:xfrm>
           <a:prstGeom prst="rect">
             <a:avLst/>
@@ -4747,14 +5274,14 @@
       </p:pic>
       <p:cxnSp>
         <p:nvCxnSpPr>
-          <p:cNvPr id="63" name="Google Shape;98;p18"/>
+          <p:cNvPr id="66" name="Google Shape;98;p18"/>
           <p:cNvCxnSpPr/>
           <p:nvPr/>
         </p:nvCxnSpPr>
         <p:spPr>
           <a:xfrm flipH="1">
             <a:off x="3049560" y="1265760"/>
-            <a:ext cx="898560" cy="781200"/>
+            <a:ext cx="898920" cy="781560"/>
           </a:xfrm>
           <a:prstGeom prst="straightConnector1">
             <a:avLst/>
@@ -4770,16 +5297,16 @@
       </p:cxnSp>
       <p:cxnSp>
         <p:nvCxnSpPr>
-          <p:cNvPr id="64" name="Google Shape;99;p18"/>
+          <p:cNvPr id="67" name="Google Shape;99;p18"/>
           <p:cNvCxnSpPr>
-            <a:stCxn id="61" idx="3"/>
+            <a:stCxn id="64" idx="3"/>
           </p:cNvCxnSpPr>
           <p:nvPr/>
         </p:nvCxnSpPr>
         <p:spPr>
           <a:xfrm>
-            <a:off x="6347520" y="1060920"/>
-            <a:ext cx="1247040" cy="943200"/>
+            <a:off x="6347160" y="1060560"/>
+            <a:ext cx="1247760" cy="943920"/>
           </a:xfrm>
           <a:prstGeom prst="straightConnector1">
             <a:avLst/>
@@ -4795,14 +5322,14 @@
       </p:cxnSp>
       <p:cxnSp>
         <p:nvCxnSpPr>
-          <p:cNvPr id="65" name="Google Shape;100;p18"/>
+          <p:cNvPr id="68" name="Google Shape;100;p18"/>
           <p:cNvCxnSpPr/>
           <p:nvPr/>
         </p:nvCxnSpPr>
         <p:spPr>
           <a:xfrm flipH="1">
             <a:off x="2025720" y="2905920"/>
-            <a:ext cx="85680" cy="684720"/>
+            <a:ext cx="86040" cy="685080"/>
           </a:xfrm>
           <a:prstGeom prst="straightConnector1">
             <a:avLst/>
@@ -4848,7 +5375,7 @@
       </p:grpSpPr>
       <p:sp>
         <p:nvSpPr>
-          <p:cNvPr id="66" name="PlaceHolder 1"/>
+          <p:cNvPr id="69" name="PlaceHolder 1"/>
           <p:cNvSpPr>
             <a:spLocks noGrp="1"/>
           </p:cNvSpPr>
@@ -4859,7 +5386,7 @@
         <p:spPr>
           <a:xfrm>
             <a:off x="311760" y="444960"/>
-            <a:ext cx="8520120" cy="572400"/>
+            <a:ext cx="8519760" cy="572040"/>
           </a:xfrm>
           <a:prstGeom prst="rect">
             <a:avLst/>
@@ -4871,7 +5398,7 @@
         </p:spPr>
         <p:txBody>
           <a:bodyPr lIns="91440" rIns="91440" tIns="91440" bIns="91440" anchor="t">
-            <a:normAutofit fontScale="93550"/>
+            <a:normAutofit fontScale="93333"/>
           </a:bodyPr>
           <a:p>
             <a:pPr indent="0">
@@ -4904,7 +5431,7 @@
       </p:sp>
       <p:pic>
         <p:nvPicPr>
-          <p:cNvPr id="67" name="Google Shape;106;p19" descr=""/>
+          <p:cNvPr id="70" name="Google Shape;106;p19" descr=""/>
           <p:cNvPicPr/>
           <p:nvPr/>
         </p:nvPicPr>
@@ -4915,7 +5442,7 @@
         <p:spPr>
           <a:xfrm>
             <a:off x="430560" y="1422360"/>
-            <a:ext cx="4086360" cy="2298600"/>
+            <a:ext cx="4086000" cy="2298240"/>
           </a:xfrm>
           <a:prstGeom prst="rect">
             <a:avLst/>
@@ -4927,7 +5454,7 @@
       </p:pic>
       <p:pic>
         <p:nvPicPr>
-          <p:cNvPr id="68" name="Google Shape;107;p19" descr=""/>
+          <p:cNvPr id="71" name="Google Shape;107;p19" descr=""/>
           <p:cNvPicPr/>
           <p:nvPr/>
         </p:nvPicPr>
@@ -4938,7 +5465,7 @@
         <p:spPr>
           <a:xfrm>
             <a:off x="5473080" y="1422360"/>
-            <a:ext cx="3213360" cy="2298600"/>
+            <a:ext cx="3213000" cy="2298240"/>
           </a:xfrm>
           <a:prstGeom prst="rect">
             <a:avLst/>
@@ -4950,14 +5477,14 @@
       </p:pic>
       <p:sp>
         <p:nvSpPr>
-          <p:cNvPr id="69" name="Google Shape;108;p19"/>
+          <p:cNvPr id="72" name="Google Shape;108;p19"/>
           <p:cNvSpPr/>
           <p:nvPr/>
         </p:nvSpPr>
         <p:spPr>
           <a:xfrm>
             <a:off x="943200" y="1576080"/>
-            <a:ext cx="1132920" cy="726840"/>
+            <a:ext cx="1132560" cy="726480"/>
           </a:xfrm>
           <a:prstGeom prst="rect">
             <a:avLst/>
@@ -4974,7 +5501,7 @@
           <a:fontRef idx="minor"/>
         </p:style>
         <p:txBody>
-          <a:bodyPr tIns="91440" bIns="91440" anchor="t">
+          <a:bodyPr lIns="90000" rIns="90000" tIns="91440" bIns="91440" anchor="t">
             <a:noAutofit/>
           </a:bodyPr>
           <a:p>
@@ -5037,7 +5564,7 @@
       </p:grpSpPr>
       <p:sp>
         <p:nvSpPr>
-          <p:cNvPr id="70" name="PlaceHolder 1"/>
+          <p:cNvPr id="73" name="PlaceHolder 1"/>
           <p:cNvSpPr>
             <a:spLocks noGrp="1"/>
           </p:cNvSpPr>
@@ -5048,7 +5575,7 @@
         <p:spPr>
           <a:xfrm>
             <a:off x="311760" y="444960"/>
-            <a:ext cx="8520120" cy="572400"/>
+            <a:ext cx="8519760" cy="572040"/>
           </a:xfrm>
           <a:prstGeom prst="rect">
             <a:avLst/>
@@ -5060,7 +5587,7 @@
         </p:spPr>
         <p:txBody>
           <a:bodyPr lIns="91440" rIns="91440" tIns="91440" bIns="91440" anchor="t">
-            <a:normAutofit fontScale="93550"/>
+            <a:normAutofit fontScale="93333"/>
           </a:bodyPr>
           <a:p>
             <a:pPr indent="0">
@@ -5093,7 +5620,7 @@
       </p:sp>
       <p:pic>
         <p:nvPicPr>
-          <p:cNvPr id="71" name="Google Shape;114;p20" descr=""/>
+          <p:cNvPr id="74" name="Google Shape;114;p20" descr=""/>
           <p:cNvPicPr/>
           <p:nvPr/>
         </p:nvPicPr>
@@ -5104,7 +5631,7 @@
         <p:spPr>
           <a:xfrm>
             <a:off x="921240" y="1621080"/>
-            <a:ext cx="3426840" cy="1900800"/>
+            <a:ext cx="3426480" cy="1900440"/>
           </a:xfrm>
           <a:prstGeom prst="rect">
             <a:avLst/>
@@ -5116,7 +5643,7 @@
       </p:pic>
       <p:pic>
         <p:nvPicPr>
-          <p:cNvPr id="72" name="Google Shape;115;p20" descr=""/>
+          <p:cNvPr id="75" name="Google Shape;115;p20" descr=""/>
           <p:cNvPicPr/>
           <p:nvPr/>
         </p:nvPicPr>
@@ -5127,7 +5654,7 @@
         <p:spPr>
           <a:xfrm>
             <a:off x="5294520" y="582120"/>
-            <a:ext cx="3012120" cy="3978720"/>
+            <a:ext cx="3011760" cy="3978360"/>
           </a:xfrm>
           <a:prstGeom prst="rect">
             <a:avLst/>
@@ -5169,7 +5696,7 @@
       </p:grpSpPr>
       <p:sp>
         <p:nvSpPr>
-          <p:cNvPr id="73" name="PlaceHolder 1"/>
+          <p:cNvPr id="76" name="PlaceHolder 1"/>
           <p:cNvSpPr>
             <a:spLocks noGrp="1"/>
           </p:cNvSpPr>
@@ -5180,7 +5707,7 @@
         <p:spPr>
           <a:xfrm>
             <a:off x="311760" y="444960"/>
-            <a:ext cx="8520120" cy="572400"/>
+            <a:ext cx="8519760" cy="572040"/>
           </a:xfrm>
           <a:prstGeom prst="rect">
             <a:avLst/>
@@ -5192,7 +5719,7 @@
         </p:spPr>
         <p:txBody>
           <a:bodyPr lIns="91440" rIns="91440" tIns="91440" bIns="91440" anchor="t">
-            <a:normAutofit fontScale="93550"/>
+            <a:normAutofit fontScale="93333"/>
           </a:bodyPr>
           <a:p>
             <a:pPr indent="0">
@@ -5225,7 +5752,7 @@
       </p:sp>
       <p:pic>
         <p:nvPicPr>
-          <p:cNvPr id="74" name="Google Shape;121;p21" descr=""/>
+          <p:cNvPr id="77" name="Google Shape;121;p21" descr=""/>
           <p:cNvPicPr/>
           <p:nvPr/>
         </p:nvPicPr>
@@ -5236,7 +5763,7 @@
         <p:spPr>
           <a:xfrm>
             <a:off x="6008760" y="1168560"/>
-            <a:ext cx="1292400" cy="1976760"/>
+            <a:ext cx="1292040" cy="1976400"/>
           </a:xfrm>
           <a:prstGeom prst="rect">
             <a:avLst/>
@@ -5248,7 +5775,7 @@
       </p:pic>
       <p:pic>
         <p:nvPicPr>
-          <p:cNvPr id="75" name="Google Shape;122;p21" descr=""/>
+          <p:cNvPr id="78" name="Google Shape;122;p21" descr=""/>
           <p:cNvPicPr/>
           <p:nvPr/>
         </p:nvPicPr>
@@ -5259,7 +5786,7 @@
         <p:spPr>
           <a:xfrm>
             <a:off x="795600" y="3232440"/>
-            <a:ext cx="3570120" cy="1513080"/>
+            <a:ext cx="3569760" cy="1512720"/>
           </a:xfrm>
           <a:prstGeom prst="rect">
             <a:avLst/>
@@ -5271,7 +5798,7 @@
       </p:pic>
       <p:pic>
         <p:nvPicPr>
-          <p:cNvPr id="76" name="Google Shape;123;p21" descr=""/>
+          <p:cNvPr id="79" name="Google Shape;123;p21" descr=""/>
           <p:cNvPicPr/>
           <p:nvPr/>
         </p:nvPicPr>
@@ -5282,7 +5809,7 @@
         <p:spPr>
           <a:xfrm>
             <a:off x="795600" y="1168560"/>
-            <a:ext cx="3797280" cy="1976760"/>
+            <a:ext cx="3796920" cy="1976400"/>
           </a:xfrm>
           <a:prstGeom prst="rect">
             <a:avLst/>
@@ -5294,7 +5821,7 @@
       </p:pic>
       <p:pic>
         <p:nvPicPr>
-          <p:cNvPr id="77" name="Google Shape;124;p21" descr=""/>
+          <p:cNvPr id="80" name="Google Shape;124;p21" descr=""/>
           <p:cNvPicPr/>
           <p:nvPr/>
         </p:nvPicPr>
@@ -5305,7 +5832,7 @@
         <p:spPr>
           <a:xfrm>
             <a:off x="4777920" y="3232440"/>
-            <a:ext cx="3570120" cy="1510200"/>
+            <a:ext cx="3569760" cy="1509840"/>
           </a:xfrm>
           <a:prstGeom prst="rect">
             <a:avLst/>
